--- a/presentation/presentation.pptx
+++ b/presentation/presentation.pptx
@@ -2,35 +2,36 @@
 <file path=ppt/presentation.xml><?xml version="1.0" encoding="utf-8"?>
 <p:presentation xmlns:a="http://schemas.openxmlformats.org/drawingml/2006/main" xmlns:r="http://schemas.openxmlformats.org/officeDocument/2006/relationships" xmlns:mc="http://schemas.openxmlformats.org/markup-compatibility/2006" xmlns:mv="urn:schemas-microsoft-com:mac:vml" xmlns:p="http://schemas.openxmlformats.org/presentationml/2006/main" xmlns:c="http://schemas.openxmlformats.org/drawingml/2006/chart" xmlns:dgm="http://schemas.openxmlformats.org/drawingml/2006/diagram" xmlns:o="urn:schemas-microsoft-com:office:office" xmlns:v="urn:schemas-microsoft-com:vml" xmlns:pvml="urn:schemas-microsoft-com:office:powerpoint" xmlns:com="http://schemas.openxmlformats.org/drawingml/2006/compatibility" xmlns:p14="http://schemas.microsoft.com/office/powerpoint/2010/main" xmlns:p15="http://schemas.microsoft.com/office/powerpoint/2012/main" xmlns:ahyp="http://schemas.microsoft.com/office/drawing/2018/hyperlinkcolor" autoCompressPictures="0" embedTrueTypeFonts="1" strictFirstAndLastChars="0" saveSubsetFonts="1">
   <p:sldMasterIdLst>
-    <p:sldMasterId id="2147483659" r:id="rId4"/>
+    <p:sldMasterId id="2147483659" r:id="rId5"/>
   </p:sldMasterIdLst>
   <p:notesMasterIdLst>
-    <p:notesMasterId r:id="rId5"/>
+    <p:notesMasterId r:id="rId6"/>
   </p:notesMasterIdLst>
   <p:sldIdLst>
-    <p:sldId id="256" r:id="rId6"/>
-    <p:sldId id="257" r:id="rId7"/>
-    <p:sldId id="258" r:id="rId8"/>
-    <p:sldId id="259" r:id="rId9"/>
-    <p:sldId id="260" r:id="rId10"/>
-    <p:sldId id="261" r:id="rId11"/>
-    <p:sldId id="262" r:id="rId12"/>
-    <p:sldId id="263" r:id="rId13"/>
-    <p:sldId id="264" r:id="rId14"/>
-    <p:sldId id="265" r:id="rId15"/>
-    <p:sldId id="266" r:id="rId16"/>
-    <p:sldId id="267" r:id="rId17"/>
-    <p:sldId id="268" r:id="rId18"/>
+    <p:sldId id="256" r:id="rId7"/>
+    <p:sldId id="257" r:id="rId8"/>
+    <p:sldId id="258" r:id="rId9"/>
+    <p:sldId id="259" r:id="rId10"/>
+    <p:sldId id="260" r:id="rId11"/>
+    <p:sldId id="261" r:id="rId12"/>
+    <p:sldId id="262" r:id="rId13"/>
+    <p:sldId id="263" r:id="rId14"/>
+    <p:sldId id="264" r:id="rId15"/>
+    <p:sldId id="265" r:id="rId16"/>
+    <p:sldId id="266" r:id="rId17"/>
+    <p:sldId id="267" r:id="rId18"/>
+    <p:sldId id="268" r:id="rId19"/>
+    <p:sldId id="269" r:id="rId20"/>
   </p:sldIdLst>
   <p:sldSz cy="5143500" cx="9144000"/>
   <p:notesSz cx="6858000" cy="9144000"/>
   <p:embeddedFontLst>
     <p:embeddedFont>
       <p:font typeface="Nunito"/>
-      <p:regular r:id="rId19"/>
-      <p:bold r:id="rId20"/>
-      <p:italic r:id="rId21"/>
-      <p:boldItalic r:id="rId22"/>
+      <p:regular r:id="rId21"/>
+      <p:bold r:id="rId22"/>
+      <p:italic r:id="rId23"/>
+      <p:boldItalic r:id="rId24"/>
     </p:embeddedFont>
   </p:embeddedFontLst>
   <p:defaultTextStyle>
@@ -811,7 +812,7 @@
   <p:cSld>
     <p:spTree>
       <p:nvGrpSpPr>
-        <p:cNvPr id="186" name="Shape 186"/>
+        <p:cNvPr id="190" name="Shape 190"/>
         <p:cNvGrpSpPr/>
         <p:nvPr/>
       </p:nvGrpSpPr>
@@ -825,7 +826,7 @@
       </p:grpSpPr>
       <p:sp>
         <p:nvSpPr>
-          <p:cNvPr id="187" name="Google Shape;187;g24b89f71c67_2_39:notes"/>
+          <p:cNvPr id="191" name="Google Shape;191;g24c0b96e363_0_5:notes"/>
           <p:cNvSpPr/>
           <p:nvPr>
             <p:ph idx="2" type="sldImg"/>
@@ -860,7 +861,7 @@
       </p:sp>
       <p:sp>
         <p:nvSpPr>
-          <p:cNvPr id="188" name="Google Shape;188;g24b89f71c67_2_39:notes"/>
+          <p:cNvPr id="192" name="Google Shape;192;g24c0b96e363_0_5:notes"/>
           <p:cNvSpPr txBox="1"/>
           <p:nvPr>
             <p:ph idx="1" type="body"/>
@@ -910,7 +911,7 @@
   <p:cSld>
     <p:spTree>
       <p:nvGrpSpPr>
-        <p:cNvPr id="193" name="Shape 193"/>
+        <p:cNvPr id="197" name="Shape 197"/>
         <p:cNvGrpSpPr/>
         <p:nvPr/>
       </p:nvGrpSpPr>
@@ -924,7 +925,7 @@
       </p:grpSpPr>
       <p:sp>
         <p:nvSpPr>
-          <p:cNvPr id="194" name="Google Shape;194;g24b89f71c67_2_44:notes"/>
+          <p:cNvPr id="198" name="Google Shape;198;g24b89f71c67_2_39:notes"/>
           <p:cNvSpPr/>
           <p:nvPr>
             <p:ph idx="2" type="sldImg"/>
@@ -959,7 +960,7 @@
       </p:sp>
       <p:sp>
         <p:nvSpPr>
-          <p:cNvPr id="195" name="Google Shape;195;g24b89f71c67_2_44:notes"/>
+          <p:cNvPr id="199" name="Google Shape;199;g24b89f71c67_2_39:notes"/>
           <p:cNvSpPr txBox="1"/>
           <p:nvPr>
             <p:ph idx="1" type="body"/>
@@ -1009,7 +1010,7 @@
   <p:cSld>
     <p:spTree>
       <p:nvGrpSpPr>
-        <p:cNvPr id="200" name="Shape 200"/>
+        <p:cNvPr id="204" name="Shape 204"/>
         <p:cNvGrpSpPr/>
         <p:nvPr/>
       </p:nvGrpSpPr>
@@ -1023,7 +1024,7 @@
       </p:grpSpPr>
       <p:sp>
         <p:nvSpPr>
-          <p:cNvPr id="201" name="Google Shape;201;g24b78e5e127_0_11:notes"/>
+          <p:cNvPr id="205" name="Google Shape;205;g24b89f71c67_2_44:notes"/>
           <p:cNvSpPr/>
           <p:nvPr>
             <p:ph idx="2" type="sldImg"/>
@@ -1058,7 +1059,7 @@
       </p:sp>
       <p:sp>
         <p:nvSpPr>
-          <p:cNvPr id="202" name="Google Shape;202;g24b78e5e127_0_11:notes"/>
+          <p:cNvPr id="206" name="Google Shape;206;g24b89f71c67_2_44:notes"/>
           <p:cNvSpPr txBox="1"/>
           <p:nvPr>
             <p:ph idx="1" type="body"/>
@@ -1108,7 +1109,7 @@
   <p:cSld>
     <p:spTree>
       <p:nvGrpSpPr>
-        <p:cNvPr id="207" name="Shape 207"/>
+        <p:cNvPr id="211" name="Shape 211"/>
         <p:cNvGrpSpPr/>
         <p:nvPr/>
       </p:nvGrpSpPr>
@@ -1122,7 +1123,7 @@
       </p:grpSpPr>
       <p:sp>
         <p:nvSpPr>
-          <p:cNvPr id="208" name="Google Shape;208;g24b89f71c67_2_49:notes"/>
+          <p:cNvPr id="212" name="Google Shape;212;g24b78e5e127_0_11:notes"/>
           <p:cNvSpPr/>
           <p:nvPr>
             <p:ph idx="2" type="sldImg"/>
@@ -1157,7 +1158,7 @@
       </p:sp>
       <p:sp>
         <p:nvSpPr>
-          <p:cNvPr id="209" name="Google Shape;209;g24b89f71c67_2_49:notes"/>
+          <p:cNvPr id="213" name="Google Shape;213;g24b78e5e127_0_11:notes"/>
           <p:cNvSpPr txBox="1"/>
           <p:nvPr>
             <p:ph idx="1" type="body"/>
@@ -1202,12 +1203,12 @@
 </p:notes>
 </file>
 
-<file path=ppt/notesSlides/notesSlide2.xml><?xml version="1.0" encoding="utf-8"?>
+<file path=ppt/notesSlides/notesSlide14.xml><?xml version="1.0" encoding="utf-8"?>
 <p:notes xmlns:a="http://schemas.openxmlformats.org/drawingml/2006/main" xmlns:r="http://schemas.openxmlformats.org/officeDocument/2006/relationships" xmlns:mc="http://schemas.openxmlformats.org/markup-compatibility/2006" xmlns:mv="urn:schemas-microsoft-com:mac:vml" xmlns:p="http://schemas.openxmlformats.org/presentationml/2006/main" xmlns:c="http://schemas.openxmlformats.org/drawingml/2006/chart" xmlns:dgm="http://schemas.openxmlformats.org/drawingml/2006/diagram" xmlns:o="urn:schemas-microsoft-com:office:office" xmlns:v="urn:schemas-microsoft-com:vml" xmlns:pvml="urn:schemas-microsoft-com:office:powerpoint" xmlns:com="http://schemas.openxmlformats.org/drawingml/2006/compatibility" xmlns:p14="http://schemas.microsoft.com/office/powerpoint/2010/main" xmlns:p15="http://schemas.microsoft.com/office/powerpoint/2012/main" xmlns:ahyp="http://schemas.microsoft.com/office/drawing/2018/hyperlinkcolor" showMasterPhAnim="0" showMasterSp="0">
   <p:cSld>
     <p:spTree>
       <p:nvGrpSpPr>
-        <p:cNvPr id="133" name="Shape 133"/>
+        <p:cNvPr id="218" name="Shape 218"/>
         <p:cNvGrpSpPr/>
         <p:nvPr/>
       </p:nvGrpSpPr>
@@ -1221,7 +1222,7 @@
       </p:grpSpPr>
       <p:sp>
         <p:nvSpPr>
-          <p:cNvPr id="134" name="Google Shape;134;g24b89f71c67_2_4:notes"/>
+          <p:cNvPr id="219" name="Google Shape;219;g24b89f71c67_2_49:notes"/>
           <p:cNvSpPr/>
           <p:nvPr>
             <p:ph idx="2" type="sldImg"/>
@@ -1256,7 +1257,7 @@
       </p:sp>
       <p:sp>
         <p:nvSpPr>
-          <p:cNvPr id="135" name="Google Shape;135;g24b89f71c67_2_4:notes"/>
+          <p:cNvPr id="220" name="Google Shape;220;g24b89f71c67_2_49:notes"/>
           <p:cNvSpPr txBox="1"/>
           <p:nvPr>
             <p:ph idx="1" type="body"/>
@@ -1301,12 +1302,12 @@
 </p:notes>
 </file>
 
-<file path=ppt/notesSlides/notesSlide3.xml><?xml version="1.0" encoding="utf-8"?>
+<file path=ppt/notesSlides/notesSlide2.xml><?xml version="1.0" encoding="utf-8"?>
 <p:notes xmlns:a="http://schemas.openxmlformats.org/drawingml/2006/main" xmlns:r="http://schemas.openxmlformats.org/officeDocument/2006/relationships" xmlns:mc="http://schemas.openxmlformats.org/markup-compatibility/2006" xmlns:mv="urn:schemas-microsoft-com:mac:vml" xmlns:p="http://schemas.openxmlformats.org/presentationml/2006/main" xmlns:c="http://schemas.openxmlformats.org/drawingml/2006/chart" xmlns:dgm="http://schemas.openxmlformats.org/drawingml/2006/diagram" xmlns:o="urn:schemas-microsoft-com:office:office" xmlns:v="urn:schemas-microsoft-com:vml" xmlns:pvml="urn:schemas-microsoft-com:office:powerpoint" xmlns:com="http://schemas.openxmlformats.org/drawingml/2006/compatibility" xmlns:p14="http://schemas.microsoft.com/office/powerpoint/2010/main" xmlns:p15="http://schemas.microsoft.com/office/powerpoint/2012/main" xmlns:ahyp="http://schemas.microsoft.com/office/drawing/2018/hyperlinkcolor" showMasterPhAnim="0" showMasterSp="0">
   <p:cSld>
     <p:spTree>
       <p:nvGrpSpPr>
-        <p:cNvPr id="140" name="Shape 140"/>
+        <p:cNvPr id="134" name="Shape 134"/>
         <p:cNvGrpSpPr/>
         <p:nvPr/>
       </p:nvGrpSpPr>
@@ -1320,7 +1321,7 @@
       </p:grpSpPr>
       <p:sp>
         <p:nvSpPr>
-          <p:cNvPr id="141" name="Google Shape;141;g24b89f71c67_2_9:notes"/>
+          <p:cNvPr id="135" name="Google Shape;135;g24b89f71c67_2_4:notes"/>
           <p:cNvSpPr/>
           <p:nvPr>
             <p:ph idx="2" type="sldImg"/>
@@ -1355,7 +1356,7 @@
       </p:sp>
       <p:sp>
         <p:nvSpPr>
-          <p:cNvPr id="142" name="Google Shape;142;g24b89f71c67_2_9:notes"/>
+          <p:cNvPr id="136" name="Google Shape;136;g24b89f71c67_2_4:notes"/>
           <p:cNvSpPr txBox="1"/>
           <p:nvPr>
             <p:ph idx="1" type="body"/>
@@ -1400,12 +1401,12 @@
 </p:notes>
 </file>
 
-<file path=ppt/notesSlides/notesSlide4.xml><?xml version="1.0" encoding="utf-8"?>
+<file path=ppt/notesSlides/notesSlide3.xml><?xml version="1.0" encoding="utf-8"?>
 <p:notes xmlns:a="http://schemas.openxmlformats.org/drawingml/2006/main" xmlns:r="http://schemas.openxmlformats.org/officeDocument/2006/relationships" xmlns:mc="http://schemas.openxmlformats.org/markup-compatibility/2006" xmlns:mv="urn:schemas-microsoft-com:mac:vml" xmlns:p="http://schemas.openxmlformats.org/presentationml/2006/main" xmlns:c="http://schemas.openxmlformats.org/drawingml/2006/chart" xmlns:dgm="http://schemas.openxmlformats.org/drawingml/2006/diagram" xmlns:o="urn:schemas-microsoft-com:office:office" xmlns:v="urn:schemas-microsoft-com:vml" xmlns:pvml="urn:schemas-microsoft-com:office:powerpoint" xmlns:com="http://schemas.openxmlformats.org/drawingml/2006/compatibility" xmlns:p14="http://schemas.microsoft.com/office/powerpoint/2010/main" xmlns:p15="http://schemas.microsoft.com/office/powerpoint/2012/main" xmlns:ahyp="http://schemas.microsoft.com/office/drawing/2018/hyperlinkcolor" showMasterPhAnim="0" showMasterSp="0">
   <p:cSld>
     <p:spTree>
       <p:nvGrpSpPr>
-        <p:cNvPr id="146" name="Shape 146"/>
+        <p:cNvPr id="141" name="Shape 141"/>
         <p:cNvGrpSpPr/>
         <p:nvPr/>
       </p:nvGrpSpPr>
@@ -1419,7 +1420,7 @@
       </p:grpSpPr>
       <p:sp>
         <p:nvSpPr>
-          <p:cNvPr id="147" name="Google Shape;147;g24b78e5e127_0_33:notes"/>
+          <p:cNvPr id="142" name="Google Shape;142;g24b89f71c67_2_9:notes"/>
           <p:cNvSpPr/>
           <p:nvPr>
             <p:ph idx="2" type="sldImg"/>
@@ -1454,7 +1455,7 @@
       </p:sp>
       <p:sp>
         <p:nvSpPr>
-          <p:cNvPr id="148" name="Google Shape;148;g24b78e5e127_0_33:notes"/>
+          <p:cNvPr id="143" name="Google Shape;143;g24b89f71c67_2_9:notes"/>
           <p:cNvSpPr txBox="1"/>
           <p:nvPr>
             <p:ph idx="1" type="body"/>
@@ -1499,12 +1500,12 @@
 </p:notes>
 </file>
 
-<file path=ppt/notesSlides/notesSlide5.xml><?xml version="1.0" encoding="utf-8"?>
+<file path=ppt/notesSlides/notesSlide4.xml><?xml version="1.0" encoding="utf-8"?>
 <p:notes xmlns:a="http://schemas.openxmlformats.org/drawingml/2006/main" xmlns:r="http://schemas.openxmlformats.org/officeDocument/2006/relationships" xmlns:mc="http://schemas.openxmlformats.org/markup-compatibility/2006" xmlns:mv="urn:schemas-microsoft-com:mac:vml" xmlns:p="http://schemas.openxmlformats.org/presentationml/2006/main" xmlns:c="http://schemas.openxmlformats.org/drawingml/2006/chart" xmlns:dgm="http://schemas.openxmlformats.org/drawingml/2006/diagram" xmlns:o="urn:schemas-microsoft-com:office:office" xmlns:v="urn:schemas-microsoft-com:vml" xmlns:pvml="urn:schemas-microsoft-com:office:powerpoint" xmlns:com="http://schemas.openxmlformats.org/drawingml/2006/compatibility" xmlns:p14="http://schemas.microsoft.com/office/powerpoint/2010/main" xmlns:p15="http://schemas.microsoft.com/office/powerpoint/2012/main" xmlns:ahyp="http://schemas.microsoft.com/office/drawing/2018/hyperlinkcolor" showMasterPhAnim="0" showMasterSp="0">
   <p:cSld>
     <p:spTree>
       <p:nvGrpSpPr>
-        <p:cNvPr id="153" name="Shape 153"/>
+        <p:cNvPr id="147" name="Shape 147"/>
         <p:cNvGrpSpPr/>
         <p:nvPr/>
       </p:nvGrpSpPr>
@@ -1518,7 +1519,7 @@
       </p:grpSpPr>
       <p:sp>
         <p:nvSpPr>
-          <p:cNvPr id="154" name="Google Shape;154;g24b89f71c67_2_14:notes"/>
+          <p:cNvPr id="148" name="Google Shape;148;g24b78e5e127_0_33:notes"/>
           <p:cNvSpPr/>
           <p:nvPr>
             <p:ph idx="2" type="sldImg"/>
@@ -1553,7 +1554,7 @@
       </p:sp>
       <p:sp>
         <p:nvSpPr>
-          <p:cNvPr id="155" name="Google Shape;155;g24b89f71c67_2_14:notes"/>
+          <p:cNvPr id="149" name="Google Shape;149;g24b78e5e127_0_33:notes"/>
           <p:cNvSpPr txBox="1"/>
           <p:nvPr>
             <p:ph idx="1" type="body"/>
@@ -1598,12 +1599,12 @@
 </p:notes>
 </file>
 
-<file path=ppt/notesSlides/notesSlide6.xml><?xml version="1.0" encoding="utf-8"?>
+<file path=ppt/notesSlides/notesSlide5.xml><?xml version="1.0" encoding="utf-8"?>
 <p:notes xmlns:a="http://schemas.openxmlformats.org/drawingml/2006/main" xmlns:r="http://schemas.openxmlformats.org/officeDocument/2006/relationships" xmlns:mc="http://schemas.openxmlformats.org/markup-compatibility/2006" xmlns:mv="urn:schemas-microsoft-com:mac:vml" xmlns:p="http://schemas.openxmlformats.org/presentationml/2006/main" xmlns:c="http://schemas.openxmlformats.org/drawingml/2006/chart" xmlns:dgm="http://schemas.openxmlformats.org/drawingml/2006/diagram" xmlns:o="urn:schemas-microsoft-com:office:office" xmlns:v="urn:schemas-microsoft-com:vml" xmlns:pvml="urn:schemas-microsoft-com:office:powerpoint" xmlns:com="http://schemas.openxmlformats.org/drawingml/2006/compatibility" xmlns:p14="http://schemas.microsoft.com/office/powerpoint/2010/main" xmlns:p15="http://schemas.microsoft.com/office/powerpoint/2012/main" xmlns:ahyp="http://schemas.microsoft.com/office/drawing/2018/hyperlinkcolor" showMasterPhAnim="0" showMasterSp="0">
   <p:cSld>
     <p:spTree>
       <p:nvGrpSpPr>
-        <p:cNvPr id="160" name="Shape 160"/>
+        <p:cNvPr id="154" name="Shape 154"/>
         <p:cNvGrpSpPr/>
         <p:nvPr/>
       </p:nvGrpSpPr>
@@ -1617,7 +1618,7 @@
       </p:grpSpPr>
       <p:sp>
         <p:nvSpPr>
-          <p:cNvPr id="161" name="Google Shape;161;g24b89f71c67_2_24:notes"/>
+          <p:cNvPr id="155" name="Google Shape;155;g24b89f71c67_2_14:notes"/>
           <p:cNvSpPr/>
           <p:nvPr>
             <p:ph idx="2" type="sldImg"/>
@@ -1652,7 +1653,7 @@
       </p:sp>
       <p:sp>
         <p:nvSpPr>
-          <p:cNvPr id="162" name="Google Shape;162;g24b89f71c67_2_24:notes"/>
+          <p:cNvPr id="156" name="Google Shape;156;g24b89f71c67_2_14:notes"/>
           <p:cNvSpPr txBox="1"/>
           <p:nvPr>
             <p:ph idx="1" type="body"/>
@@ -1697,12 +1698,12 @@
 </p:notes>
 </file>
 
-<file path=ppt/notesSlides/notesSlide7.xml><?xml version="1.0" encoding="utf-8"?>
+<file path=ppt/notesSlides/notesSlide6.xml><?xml version="1.0" encoding="utf-8"?>
 <p:notes xmlns:a="http://schemas.openxmlformats.org/drawingml/2006/main" xmlns:r="http://schemas.openxmlformats.org/officeDocument/2006/relationships" xmlns:mc="http://schemas.openxmlformats.org/markup-compatibility/2006" xmlns:mv="urn:schemas-microsoft-com:mac:vml" xmlns:p="http://schemas.openxmlformats.org/presentationml/2006/main" xmlns:c="http://schemas.openxmlformats.org/drawingml/2006/chart" xmlns:dgm="http://schemas.openxmlformats.org/drawingml/2006/diagram" xmlns:o="urn:schemas-microsoft-com:office:office" xmlns:v="urn:schemas-microsoft-com:vml" xmlns:pvml="urn:schemas-microsoft-com:office:powerpoint" xmlns:com="http://schemas.openxmlformats.org/drawingml/2006/compatibility" xmlns:p14="http://schemas.microsoft.com/office/powerpoint/2010/main" xmlns:p15="http://schemas.microsoft.com/office/powerpoint/2012/main" xmlns:ahyp="http://schemas.microsoft.com/office/drawing/2018/hyperlinkcolor" showMasterPhAnim="0" showMasterSp="0">
   <p:cSld>
     <p:spTree>
       <p:nvGrpSpPr>
-        <p:cNvPr id="166" name="Shape 166"/>
+        <p:cNvPr id="161" name="Shape 161"/>
         <p:cNvGrpSpPr/>
         <p:nvPr/>
       </p:nvGrpSpPr>
@@ -1716,7 +1717,7 @@
       </p:grpSpPr>
       <p:sp>
         <p:nvSpPr>
-          <p:cNvPr id="167" name="Google Shape;167;g24b89f71c67_2_29:notes"/>
+          <p:cNvPr id="162" name="Google Shape;162;g24b89f71c67_2_24:notes"/>
           <p:cNvSpPr/>
           <p:nvPr>
             <p:ph idx="2" type="sldImg"/>
@@ -1751,7 +1752,7 @@
       </p:sp>
       <p:sp>
         <p:nvSpPr>
-          <p:cNvPr id="168" name="Google Shape;168;g24b89f71c67_2_29:notes"/>
+          <p:cNvPr id="163" name="Google Shape;163;g24b89f71c67_2_24:notes"/>
           <p:cNvSpPr txBox="1"/>
           <p:nvPr>
             <p:ph idx="1" type="body"/>
@@ -1796,12 +1797,12 @@
 </p:notes>
 </file>
 
-<file path=ppt/notesSlides/notesSlide8.xml><?xml version="1.0" encoding="utf-8"?>
+<file path=ppt/notesSlides/notesSlide7.xml><?xml version="1.0" encoding="utf-8"?>
 <p:notes xmlns:a="http://schemas.openxmlformats.org/drawingml/2006/main" xmlns:r="http://schemas.openxmlformats.org/officeDocument/2006/relationships" xmlns:mc="http://schemas.openxmlformats.org/markup-compatibility/2006" xmlns:mv="urn:schemas-microsoft-com:mac:vml" xmlns:p="http://schemas.openxmlformats.org/presentationml/2006/main" xmlns:c="http://schemas.openxmlformats.org/drawingml/2006/chart" xmlns:dgm="http://schemas.openxmlformats.org/drawingml/2006/diagram" xmlns:o="urn:schemas-microsoft-com:office:office" xmlns:v="urn:schemas-microsoft-com:vml" xmlns:pvml="urn:schemas-microsoft-com:office:powerpoint" xmlns:com="http://schemas.openxmlformats.org/drawingml/2006/compatibility" xmlns:p14="http://schemas.microsoft.com/office/powerpoint/2010/main" xmlns:p15="http://schemas.microsoft.com/office/powerpoint/2012/main" xmlns:ahyp="http://schemas.microsoft.com/office/drawing/2018/hyperlinkcolor" showMasterPhAnim="0" showMasterSp="0">
   <p:cSld>
     <p:spTree>
       <p:nvGrpSpPr>
-        <p:cNvPr id="172" name="Shape 172"/>
+        <p:cNvPr id="167" name="Shape 167"/>
         <p:cNvGrpSpPr/>
         <p:nvPr/>
       </p:nvGrpSpPr>
@@ -1815,7 +1816,7 @@
       </p:grpSpPr>
       <p:sp>
         <p:nvSpPr>
-          <p:cNvPr id="173" name="Google Shape;173;g24b89f71c67_2_34:notes"/>
+          <p:cNvPr id="168" name="Google Shape;168;g24b89f71c67_2_29:notes"/>
           <p:cNvSpPr/>
           <p:nvPr>
             <p:ph idx="2" type="sldImg"/>
@@ -1850,7 +1851,7 @@
       </p:sp>
       <p:sp>
         <p:nvSpPr>
-          <p:cNvPr id="174" name="Google Shape;174;g24b89f71c67_2_34:notes"/>
+          <p:cNvPr id="169" name="Google Shape;169;g24b89f71c67_2_29:notes"/>
           <p:cNvSpPr txBox="1"/>
           <p:nvPr>
             <p:ph idx="1" type="body"/>
@@ -1895,12 +1896,12 @@
 </p:notes>
 </file>
 
-<file path=ppt/notesSlides/notesSlide9.xml><?xml version="1.0" encoding="utf-8"?>
+<file path=ppt/notesSlides/notesSlide8.xml><?xml version="1.0" encoding="utf-8"?>
 <p:notes xmlns:a="http://schemas.openxmlformats.org/drawingml/2006/main" xmlns:r="http://schemas.openxmlformats.org/officeDocument/2006/relationships" xmlns:mc="http://schemas.openxmlformats.org/markup-compatibility/2006" xmlns:mv="urn:schemas-microsoft-com:mac:vml" xmlns:p="http://schemas.openxmlformats.org/presentationml/2006/main" xmlns:c="http://schemas.openxmlformats.org/drawingml/2006/chart" xmlns:dgm="http://schemas.openxmlformats.org/drawingml/2006/diagram" xmlns:o="urn:schemas-microsoft-com:office:office" xmlns:v="urn:schemas-microsoft-com:vml" xmlns:pvml="urn:schemas-microsoft-com:office:powerpoint" xmlns:com="http://schemas.openxmlformats.org/drawingml/2006/compatibility" xmlns:p14="http://schemas.microsoft.com/office/powerpoint/2010/main" xmlns:p15="http://schemas.microsoft.com/office/powerpoint/2012/main" xmlns:ahyp="http://schemas.microsoft.com/office/drawing/2018/hyperlinkcolor" showMasterPhAnim="0" showMasterSp="0">
   <p:cSld>
     <p:spTree>
       <p:nvGrpSpPr>
-        <p:cNvPr id="179" name="Shape 179"/>
+        <p:cNvPr id="174" name="Shape 174"/>
         <p:cNvGrpSpPr/>
         <p:nvPr/>
       </p:nvGrpSpPr>
@@ -1914,7 +1915,7 @@
       </p:grpSpPr>
       <p:sp>
         <p:nvSpPr>
-          <p:cNvPr id="180" name="Google Shape;180;g24b78e5e127_0_22:notes"/>
+          <p:cNvPr id="175" name="Google Shape;175;g24b89f71c67_2_34:notes"/>
           <p:cNvSpPr/>
           <p:nvPr>
             <p:ph idx="2" type="sldImg"/>
@@ -1949,7 +1950,106 @@
       </p:sp>
       <p:sp>
         <p:nvSpPr>
-          <p:cNvPr id="181" name="Google Shape;181;g24b78e5e127_0_22:notes"/>
+          <p:cNvPr id="176" name="Google Shape;176;g24b89f71c67_2_34:notes"/>
+          <p:cNvSpPr txBox="1"/>
+          <p:nvPr>
+            <p:ph idx="1" type="body"/>
+          </p:nvPr>
+        </p:nvSpPr>
+        <p:spPr>
+          <a:xfrm>
+            <a:off x="685800" y="4343400"/>
+            <a:ext cx="5486400" cy="4114800"/>
+          </a:xfrm>
+          <a:prstGeom prst="rect">
+            <a:avLst/>
+          </a:prstGeom>
+        </p:spPr>
+        <p:txBody>
+          <a:bodyPr anchorCtr="0" anchor="t" bIns="91425" lIns="91425" spcFirstLastPara="1" rIns="91425" wrap="square" tIns="91425">
+            <a:noAutofit/>
+          </a:bodyPr>
+          <a:lstStyle/>
+          <a:p>
+            <a:pPr indent="0" lvl="0" marL="0" rtl="0" algn="l">
+              <a:spcBef>
+                <a:spcPts val="0"/>
+              </a:spcBef>
+              <a:spcAft>
+                <a:spcPts val="0"/>
+              </a:spcAft>
+              <a:buNone/>
+            </a:pPr>
+            <a:r>
+              <a:t/>
+            </a:r>
+            <a:endParaRPr/>
+          </a:p>
+        </p:txBody>
+      </p:sp>
+    </p:spTree>
+  </p:cSld>
+  <p:clrMapOvr>
+    <a:masterClrMapping/>
+  </p:clrMapOvr>
+</p:notes>
+</file>
+
+<file path=ppt/notesSlides/notesSlide9.xml><?xml version="1.0" encoding="utf-8"?>
+<p:notes xmlns:a="http://schemas.openxmlformats.org/drawingml/2006/main" xmlns:r="http://schemas.openxmlformats.org/officeDocument/2006/relationships" xmlns:mc="http://schemas.openxmlformats.org/markup-compatibility/2006" xmlns:mv="urn:schemas-microsoft-com:mac:vml" xmlns:p="http://schemas.openxmlformats.org/presentationml/2006/main" xmlns:c="http://schemas.openxmlformats.org/drawingml/2006/chart" xmlns:dgm="http://schemas.openxmlformats.org/drawingml/2006/diagram" xmlns:o="urn:schemas-microsoft-com:office:office" xmlns:v="urn:schemas-microsoft-com:vml" xmlns:pvml="urn:schemas-microsoft-com:office:powerpoint" xmlns:com="http://schemas.openxmlformats.org/drawingml/2006/compatibility" xmlns:p14="http://schemas.microsoft.com/office/powerpoint/2010/main" xmlns:p15="http://schemas.microsoft.com/office/powerpoint/2012/main" xmlns:ahyp="http://schemas.microsoft.com/office/drawing/2018/hyperlinkcolor" showMasterPhAnim="0" showMasterSp="0">
+  <p:cSld>
+    <p:spTree>
+      <p:nvGrpSpPr>
+        <p:cNvPr id="183" name="Shape 183"/>
+        <p:cNvGrpSpPr/>
+        <p:nvPr/>
+      </p:nvGrpSpPr>
+      <p:grpSpPr>
+        <a:xfrm>
+          <a:off x="0" y="0"/>
+          <a:ext cx="0" cy="0"/>
+          <a:chOff x="0" y="0"/>
+          <a:chExt cx="0" cy="0"/>
+        </a:xfrm>
+      </p:grpSpPr>
+      <p:sp>
+        <p:nvSpPr>
+          <p:cNvPr id="184" name="Google Shape;184;g24b78e5e127_0_22:notes"/>
+          <p:cNvSpPr/>
+          <p:nvPr>
+            <p:ph idx="2" type="sldImg"/>
+          </p:nvPr>
+        </p:nvSpPr>
+        <p:spPr>
+          <a:xfrm>
+            <a:off x="381300" y="685800"/>
+            <a:ext cx="6096000" cy="3429000"/>
+          </a:xfrm>
+          <a:custGeom>
+            <a:rect b="b" l="l" r="r" t="t"/>
+            <a:pathLst>
+              <a:path extrusionOk="0" h="120000" w="120000">
+                <a:moveTo>
+                  <a:pt x="0" y="0"/>
+                </a:moveTo>
+                <a:lnTo>
+                  <a:pt x="120000" y="0"/>
+                </a:lnTo>
+                <a:lnTo>
+                  <a:pt x="120000" y="120000"/>
+                </a:lnTo>
+                <a:lnTo>
+                  <a:pt x="0" y="120000"/>
+                </a:lnTo>
+                <a:close/>
+              </a:path>
+            </a:pathLst>
+          </a:custGeom>
+        </p:spPr>
+      </p:sp>
+      <p:sp>
+        <p:nvSpPr>
+          <p:cNvPr id="185" name="Google Shape;185;g24b78e5e127_0_22:notes"/>
           <p:cNvSpPr txBox="1"/>
           <p:nvPr>
             <p:ph idx="1" type="body"/>
@@ -10248,7 +10348,7 @@
             </a:pPr>
             <a:r>
               <a:rPr lang="en"/>
-              <a:t>prof. dr. Erik Štrumbelj          Vid Smrke (In516ht)</a:t>
+              <a:t>prof. dr. Erik Štrumbelj          Vid Smrke </a:t>
             </a:r>
             <a:endParaRPr/>
           </a:p>
@@ -10346,6 +10446,34 @@
           </a:p>
         </p:txBody>
       </p:sp>
+      <p:pic>
+        <p:nvPicPr>
+          <p:cNvPr id="133" name="Google Shape;133;p13"/>
+          <p:cNvPicPr preferRelativeResize="0"/>
+          <p:nvPr/>
+        </p:nvPicPr>
+        <p:blipFill>
+          <a:blip r:embed="rId4">
+            <a:alphaModFix/>
+          </a:blip>
+          <a:stretch>
+            <a:fillRect/>
+          </a:stretch>
+        </p:blipFill>
+        <p:spPr>
+          <a:xfrm>
+            <a:off x="3295694" y="4115513"/>
+            <a:ext cx="2487333" cy="687375"/>
+          </a:xfrm>
+          <a:prstGeom prst="rect">
+            <a:avLst/>
+          </a:prstGeom>
+          <a:noFill/>
+          <a:ln>
+            <a:noFill/>
+          </a:ln>
+        </p:spPr>
+      </p:pic>
     </p:spTree>
   </p:cSld>
   <p:clrMapOvr>
@@ -10359,7 +10487,7 @@
   <p:cSld>
     <p:spTree>
       <p:nvGrpSpPr>
-        <p:cNvPr id="189" name="Shape 189"/>
+        <p:cNvPr id="193" name="Shape 193"/>
         <p:cNvGrpSpPr/>
         <p:nvPr/>
       </p:nvGrpSpPr>
@@ -10373,7 +10501,7 @@
       </p:grpSpPr>
       <p:sp>
         <p:nvSpPr>
-          <p:cNvPr id="190" name="Google Shape;190;p22"/>
+          <p:cNvPr id="194" name="Google Shape;194;p22"/>
           <p:cNvSpPr txBox="1"/>
           <p:nvPr>
             <p:ph type="title"/>
@@ -10405,6 +10533,1297 @@
             </a:pPr>
             <a:r>
               <a:rPr lang="en"/>
+              <a:t>Data Comparison – Challenge</a:t>
+            </a:r>
+            <a:endParaRPr/>
+          </a:p>
+        </p:txBody>
+      </p:sp>
+      <p:graphicFrame>
+        <p:nvGraphicFramePr>
+          <p:cNvPr id="195" name="Google Shape;195;p22"/>
+          <p:cNvGraphicFramePr/>
+          <p:nvPr/>
+        </p:nvGraphicFramePr>
+        <p:xfrm>
+          <a:off x="502800" y="2289650"/>
+          <a:ext cx="3000000" cy="3000000"/>
+        </p:xfrm>
+        <a:graphic>
+          <a:graphicData uri="http://schemas.openxmlformats.org/drawingml/2006/table">
+            <a:tbl>
+              <a:tblPr>
+                <a:noFill/>
+                <a:tableStyleId>{614701DA-2BF0-452C-A09B-A52C99955728}</a:tableStyleId>
+              </a:tblPr>
+              <a:tblGrid>
+                <a:gridCol w="826800"/>
+                <a:gridCol w="709650"/>
+                <a:gridCol w="768225"/>
+                <a:gridCol w="826800"/>
+                <a:gridCol w="937725"/>
+              </a:tblGrid>
+              <a:tr h="396200">
+                <a:tc>
+                  <a:txBody>
+                    <a:bodyPr/>
+                    <a:lstStyle/>
+                    <a:p>
+                      <a:pPr indent="0" lvl="0" marL="0" rtl="0" algn="l">
+                        <a:spcBef>
+                          <a:spcPts val="0"/>
+                        </a:spcBef>
+                        <a:spcAft>
+                          <a:spcPts val="0"/>
+                        </a:spcAft>
+                        <a:buNone/>
+                      </a:pPr>
+                      <a:r>
+                        <a:rPr lang="en"/>
+                        <a:t>Country</a:t>
+                      </a:r>
+                      <a:endParaRPr/>
+                    </a:p>
+                  </a:txBody>
+                  <a:tcPr marT="91425" marB="91425" marR="91425" marL="91425"/>
+                </a:tc>
+                <a:tc>
+                  <a:txBody>
+                    <a:bodyPr/>
+                    <a:lstStyle/>
+                    <a:p>
+                      <a:pPr indent="0" lvl="0" marL="0" rtl="0" algn="l">
+                        <a:spcBef>
+                          <a:spcPts val="0"/>
+                        </a:spcBef>
+                        <a:spcAft>
+                          <a:spcPts val="0"/>
+                        </a:spcAft>
+                        <a:buNone/>
+                      </a:pPr>
+                      <a:r>
+                        <a:rPr lang="en"/>
+                        <a:t>Club</a:t>
+                      </a:r>
+                      <a:endParaRPr/>
+                    </a:p>
+                  </a:txBody>
+                  <a:tcPr marT="91425" marB="91425" marR="91425" marL="91425"/>
+                </a:tc>
+                <a:tc>
+                  <a:txBody>
+                    <a:bodyPr/>
+                    <a:lstStyle/>
+                    <a:p>
+                      <a:pPr indent="0" lvl="0" marL="0" rtl="0" algn="l">
+                        <a:spcBef>
+                          <a:spcPts val="0"/>
+                        </a:spcBef>
+                        <a:spcAft>
+                          <a:spcPts val="0"/>
+                        </a:spcAft>
+                        <a:buNone/>
+                      </a:pPr>
+                      <a:r>
+                        <a:rPr lang="en"/>
+                        <a:t>Titles</a:t>
+                      </a:r>
+                      <a:endParaRPr/>
+                    </a:p>
+                  </a:txBody>
+                  <a:tcPr marT="91425" marB="91425" marR="91425" marL="91425"/>
+                </a:tc>
+                <a:tc>
+                  <a:txBody>
+                    <a:bodyPr/>
+                    <a:lstStyle/>
+                    <a:p>
+                      <a:pPr indent="0" lvl="0" marL="0" rtl="0" algn="l">
+                        <a:spcBef>
+                          <a:spcPts val="0"/>
+                        </a:spcBef>
+                        <a:spcAft>
+                          <a:spcPts val="0"/>
+                        </a:spcAft>
+                        <a:buNone/>
+                      </a:pPr>
+                      <a:r>
+                        <a:rPr lang="en"/>
+                        <a:t>League</a:t>
+                      </a:r>
+                      <a:endParaRPr/>
+                    </a:p>
+                  </a:txBody>
+                  <a:tcPr marT="91425" marB="91425" marR="91425" marL="91425"/>
+                </a:tc>
+                <a:tc>
+                  <a:txBody>
+                    <a:bodyPr/>
+                    <a:lstStyle/>
+                    <a:p>
+                      <a:pPr indent="0" lvl="0" marL="0" rtl="0" algn="l">
+                        <a:spcBef>
+                          <a:spcPts val="0"/>
+                        </a:spcBef>
+                        <a:spcAft>
+                          <a:spcPts val="0"/>
+                        </a:spcAft>
+                        <a:buNone/>
+                      </a:pPr>
+                      <a:r>
+                        <a:rPr lang="en"/>
+                        <a:t>B.Player</a:t>
+                      </a:r>
+                      <a:endParaRPr/>
+                    </a:p>
+                  </a:txBody>
+                  <a:tcPr marT="91425" marB="91425" marR="91425" marL="91425"/>
+                </a:tc>
+              </a:tr>
+              <a:tr h="250000">
+                <a:tc>
+                  <a:txBody>
+                    <a:bodyPr/>
+                    <a:lstStyle/>
+                    <a:p>
+                      <a:pPr indent="0" lvl="0" marL="0" rtl="0" algn="l">
+                        <a:spcBef>
+                          <a:spcPts val="0"/>
+                        </a:spcBef>
+                        <a:spcAft>
+                          <a:spcPts val="0"/>
+                        </a:spcAft>
+                        <a:buNone/>
+                      </a:pPr>
+                      <a:r>
+                        <a:rPr lang="en"/>
+                        <a:t>Spain</a:t>
+                      </a:r>
+                      <a:endParaRPr/>
+                    </a:p>
+                  </a:txBody>
+                  <a:tcPr marT="91425" marB="91425" marR="91425" marL="91425"/>
+                </a:tc>
+                <a:tc>
+                  <a:txBody>
+                    <a:bodyPr/>
+                    <a:lstStyle/>
+                    <a:p>
+                      <a:pPr indent="0" lvl="0" marL="0" rtl="0" algn="l">
+                        <a:spcBef>
+                          <a:spcPts val="0"/>
+                        </a:spcBef>
+                        <a:spcAft>
+                          <a:spcPts val="0"/>
+                        </a:spcAft>
+                        <a:buNone/>
+                      </a:pPr>
+                      <a:r>
+                        <a:rPr lang="en"/>
+                        <a:t>Barca</a:t>
+                      </a:r>
+                      <a:endParaRPr/>
+                    </a:p>
+                  </a:txBody>
+                  <a:tcPr marT="91425" marB="91425" marR="91425" marL="91425"/>
+                </a:tc>
+                <a:tc>
+                  <a:txBody>
+                    <a:bodyPr/>
+                    <a:lstStyle/>
+                    <a:p>
+                      <a:pPr indent="0" lvl="0" marL="0" rtl="0" algn="l">
+                        <a:spcBef>
+                          <a:spcPts val="0"/>
+                        </a:spcBef>
+                        <a:spcAft>
+                          <a:spcPts val="0"/>
+                        </a:spcAft>
+                        <a:buNone/>
+                      </a:pPr>
+                      <a:r>
+                        <a:rPr lang="en"/>
+                        <a:t>1</a:t>
+                      </a:r>
+                      <a:endParaRPr/>
+                    </a:p>
+                  </a:txBody>
+                  <a:tcPr marT="91425" marB="91425" marR="91425" marL="91425"/>
+                </a:tc>
+                <a:tc>
+                  <a:txBody>
+                    <a:bodyPr/>
+                    <a:lstStyle/>
+                    <a:p>
+                      <a:pPr indent="0" lvl="0" marL="0" rtl="0" algn="l">
+                        <a:spcBef>
+                          <a:spcPts val="0"/>
+                        </a:spcBef>
+                        <a:spcAft>
+                          <a:spcPts val="0"/>
+                        </a:spcAft>
+                        <a:buNone/>
+                      </a:pPr>
+                      <a:r>
+                        <a:rPr lang="en"/>
+                        <a:t>1</a:t>
+                      </a:r>
+                      <a:endParaRPr/>
+                    </a:p>
+                  </a:txBody>
+                  <a:tcPr marT="91425" marB="91425" marR="91425" marL="91425"/>
+                </a:tc>
+                <a:tc>
+                  <a:txBody>
+                    <a:bodyPr/>
+                    <a:lstStyle/>
+                    <a:p>
+                      <a:pPr indent="0" lvl="0" marL="0" rtl="0" algn="l">
+                        <a:spcBef>
+                          <a:spcPts val="0"/>
+                        </a:spcBef>
+                        <a:spcAft>
+                          <a:spcPts val="0"/>
+                        </a:spcAft>
+                        <a:buNone/>
+                      </a:pPr>
+                      <a:r>
+                        <a:rPr lang="en"/>
+                        <a:t>Messi</a:t>
+                      </a:r>
+                      <a:endParaRPr/>
+                    </a:p>
+                  </a:txBody>
+                  <a:tcPr marT="91425" marB="91425" marR="91425" marL="91425"/>
+                </a:tc>
+              </a:tr>
+              <a:tr h="250000">
+                <a:tc>
+                  <a:txBody>
+                    <a:bodyPr/>
+                    <a:lstStyle/>
+                    <a:p>
+                      <a:pPr indent="0" lvl="0" marL="0" rtl="0" algn="l">
+                        <a:spcBef>
+                          <a:spcPts val="0"/>
+                        </a:spcBef>
+                        <a:spcAft>
+                          <a:spcPts val="0"/>
+                        </a:spcAft>
+                        <a:buNone/>
+                      </a:pPr>
+                      <a:r>
+                        <a:rPr lang="en"/>
+                        <a:t>Spain</a:t>
+                      </a:r>
+                      <a:endParaRPr/>
+                    </a:p>
+                  </a:txBody>
+                  <a:tcPr marT="91425" marB="91425" marR="91425" marL="91425"/>
+                </a:tc>
+                <a:tc>
+                  <a:txBody>
+                    <a:bodyPr/>
+                    <a:lstStyle/>
+                    <a:p>
+                      <a:pPr indent="0" lvl="0" marL="0" rtl="0" algn="l">
+                        <a:spcBef>
+                          <a:spcPts val="0"/>
+                        </a:spcBef>
+                        <a:spcAft>
+                          <a:spcPts val="0"/>
+                        </a:spcAft>
+                        <a:buNone/>
+                      </a:pPr>
+                      <a:r>
+                        <a:rPr lang="en"/>
+                        <a:t>Real</a:t>
+                      </a:r>
+                      <a:endParaRPr/>
+                    </a:p>
+                  </a:txBody>
+                  <a:tcPr marT="91425" marB="91425" marR="91425" marL="91425"/>
+                </a:tc>
+                <a:tc>
+                  <a:txBody>
+                    <a:bodyPr/>
+                    <a:lstStyle/>
+                    <a:p>
+                      <a:pPr indent="0" lvl="0" marL="0" rtl="0" algn="l">
+                        <a:spcBef>
+                          <a:spcPts val="0"/>
+                        </a:spcBef>
+                        <a:spcAft>
+                          <a:spcPts val="0"/>
+                        </a:spcAft>
+                        <a:buNone/>
+                      </a:pPr>
+                      <a:r>
+                        <a:rPr lang="en"/>
+                        <a:t>0</a:t>
+                      </a:r>
+                      <a:endParaRPr/>
+                    </a:p>
+                  </a:txBody>
+                  <a:tcPr marT="91425" marB="91425" marR="91425" marL="91425"/>
+                </a:tc>
+                <a:tc>
+                  <a:txBody>
+                    <a:bodyPr/>
+                    <a:lstStyle/>
+                    <a:p>
+                      <a:pPr indent="0" lvl="0" marL="0" rtl="0" algn="l">
+                        <a:spcBef>
+                          <a:spcPts val="0"/>
+                        </a:spcBef>
+                        <a:spcAft>
+                          <a:spcPts val="0"/>
+                        </a:spcAft>
+                        <a:buNone/>
+                      </a:pPr>
+                      <a:r>
+                        <a:rPr lang="en"/>
+                        <a:t>1</a:t>
+                      </a:r>
+                      <a:endParaRPr/>
+                    </a:p>
+                  </a:txBody>
+                  <a:tcPr marT="91425" marB="91425" marR="91425" marL="91425"/>
+                </a:tc>
+                <a:tc>
+                  <a:txBody>
+                    <a:bodyPr/>
+                    <a:lstStyle/>
+                    <a:p>
+                      <a:pPr indent="0" lvl="0" marL="0" rtl="0" algn="l">
+                        <a:spcBef>
+                          <a:spcPts val="0"/>
+                        </a:spcBef>
+                        <a:spcAft>
+                          <a:spcPts val="0"/>
+                        </a:spcAft>
+                        <a:buNone/>
+                      </a:pPr>
+                      <a:r>
+                        <a:rPr lang="en"/>
+                        <a:t>Ron.</a:t>
+                      </a:r>
+                      <a:endParaRPr/>
+                    </a:p>
+                  </a:txBody>
+                  <a:tcPr marT="91425" marB="91425" marR="91425" marL="91425"/>
+                </a:tc>
+              </a:tr>
+              <a:tr h="250000">
+                <a:tc>
+                  <a:txBody>
+                    <a:bodyPr/>
+                    <a:lstStyle/>
+                    <a:p>
+                      <a:pPr indent="0" lvl="0" marL="0" rtl="0" algn="l">
+                        <a:spcBef>
+                          <a:spcPts val="0"/>
+                        </a:spcBef>
+                        <a:spcAft>
+                          <a:spcPts val="0"/>
+                        </a:spcAft>
+                        <a:buNone/>
+                      </a:pPr>
+                      <a:r>
+                        <a:rPr lang="en"/>
+                        <a:t>Spain</a:t>
+                      </a:r>
+                      <a:endParaRPr/>
+                    </a:p>
+                  </a:txBody>
+                  <a:tcPr marT="91425" marB="91425" marR="91425" marL="91425"/>
+                </a:tc>
+                <a:tc>
+                  <a:txBody>
+                    <a:bodyPr/>
+                    <a:lstStyle/>
+                    <a:p>
+                      <a:pPr indent="0" lvl="0" marL="0" rtl="0" algn="l">
+                        <a:spcBef>
+                          <a:spcPts val="0"/>
+                        </a:spcBef>
+                        <a:spcAft>
+                          <a:spcPts val="0"/>
+                        </a:spcAft>
+                        <a:buNone/>
+                      </a:pPr>
+                      <a:r>
+                        <a:rPr lang="en"/>
+                        <a:t>Real</a:t>
+                      </a:r>
+                      <a:endParaRPr/>
+                    </a:p>
+                  </a:txBody>
+                  <a:tcPr marT="91425" marB="91425" marR="91425" marL="91425"/>
+                </a:tc>
+                <a:tc>
+                  <a:txBody>
+                    <a:bodyPr/>
+                    <a:lstStyle/>
+                    <a:p>
+                      <a:pPr indent="0" lvl="0" marL="0" rtl="0" algn="l">
+                        <a:spcBef>
+                          <a:spcPts val="0"/>
+                        </a:spcBef>
+                        <a:spcAft>
+                          <a:spcPts val="0"/>
+                        </a:spcAft>
+                        <a:buNone/>
+                      </a:pPr>
+                      <a:r>
+                        <a:rPr lang="en"/>
+                        <a:t>0</a:t>
+                      </a:r>
+                      <a:endParaRPr/>
+                    </a:p>
+                  </a:txBody>
+                  <a:tcPr marT="91425" marB="91425" marR="91425" marL="91425"/>
+                </a:tc>
+                <a:tc>
+                  <a:txBody>
+                    <a:bodyPr/>
+                    <a:lstStyle/>
+                    <a:p>
+                      <a:pPr indent="0" lvl="0" marL="0" rtl="0" algn="l">
+                        <a:spcBef>
+                          <a:spcPts val="0"/>
+                        </a:spcBef>
+                        <a:spcAft>
+                          <a:spcPts val="0"/>
+                        </a:spcAft>
+                        <a:buNone/>
+                      </a:pPr>
+                      <a:r>
+                        <a:rPr lang="en"/>
+                        <a:t>2</a:t>
+                      </a:r>
+                      <a:endParaRPr/>
+                    </a:p>
+                  </a:txBody>
+                  <a:tcPr marT="91425" marB="91425" marR="91425" marL="91425"/>
+                </a:tc>
+                <a:tc>
+                  <a:txBody>
+                    <a:bodyPr/>
+                    <a:lstStyle/>
+                    <a:p>
+                      <a:pPr indent="0" lvl="0" marL="0" rtl="0" algn="l">
+                        <a:spcBef>
+                          <a:spcPts val="0"/>
+                        </a:spcBef>
+                        <a:spcAft>
+                          <a:spcPts val="0"/>
+                        </a:spcAft>
+                        <a:buNone/>
+                      </a:pPr>
+                      <a:r>
+                        <a:rPr lang="en"/>
+                        <a:t>Diaz</a:t>
+                      </a:r>
+                      <a:endParaRPr/>
+                    </a:p>
+                  </a:txBody>
+                  <a:tcPr marT="91425" marB="91425" marR="91425" marL="91425"/>
+                </a:tc>
+              </a:tr>
+              <a:tr h="250000">
+                <a:tc>
+                  <a:txBody>
+                    <a:bodyPr/>
+                    <a:lstStyle/>
+                    <a:p>
+                      <a:pPr indent="0" lvl="0" marL="0" rtl="0" algn="l">
+                        <a:spcBef>
+                          <a:spcPts val="0"/>
+                        </a:spcBef>
+                        <a:spcAft>
+                          <a:spcPts val="0"/>
+                        </a:spcAft>
+                        <a:buNone/>
+                      </a:pPr>
+                      <a:r>
+                        <a:rPr lang="en"/>
+                        <a:t>France</a:t>
+                      </a:r>
+                      <a:endParaRPr/>
+                    </a:p>
+                  </a:txBody>
+                  <a:tcPr marT="91425" marB="91425" marR="91425" marL="91425"/>
+                </a:tc>
+                <a:tc>
+                  <a:txBody>
+                    <a:bodyPr/>
+                    <a:lstStyle/>
+                    <a:p>
+                      <a:pPr indent="0" lvl="0" marL="0" rtl="0" algn="l">
+                        <a:spcBef>
+                          <a:spcPts val="0"/>
+                        </a:spcBef>
+                        <a:spcAft>
+                          <a:spcPts val="0"/>
+                        </a:spcAft>
+                        <a:buNone/>
+                      </a:pPr>
+                      <a:r>
+                        <a:rPr lang="en"/>
+                        <a:t>PSG</a:t>
+                      </a:r>
+                      <a:endParaRPr/>
+                    </a:p>
+                  </a:txBody>
+                  <a:tcPr marT="91425" marB="91425" marR="91425" marL="91425"/>
+                </a:tc>
+                <a:tc>
+                  <a:txBody>
+                    <a:bodyPr/>
+                    <a:lstStyle/>
+                    <a:p>
+                      <a:pPr indent="0" lvl="0" marL="0" rtl="0" algn="l">
+                        <a:spcBef>
+                          <a:spcPts val="0"/>
+                        </a:spcBef>
+                        <a:spcAft>
+                          <a:spcPts val="0"/>
+                        </a:spcAft>
+                        <a:buNone/>
+                      </a:pPr>
+                      <a:r>
+                        <a:rPr lang="en"/>
+                        <a:t>1</a:t>
+                      </a:r>
+                      <a:endParaRPr/>
+                    </a:p>
+                  </a:txBody>
+                  <a:tcPr marT="91425" marB="91425" marR="91425" marL="91425"/>
+                </a:tc>
+                <a:tc>
+                  <a:txBody>
+                    <a:bodyPr/>
+                    <a:lstStyle/>
+                    <a:p>
+                      <a:pPr indent="0" lvl="0" marL="0" rtl="0" algn="l">
+                        <a:spcBef>
+                          <a:spcPts val="0"/>
+                        </a:spcBef>
+                        <a:spcAft>
+                          <a:spcPts val="0"/>
+                        </a:spcAft>
+                        <a:buNone/>
+                      </a:pPr>
+                      <a:r>
+                        <a:rPr lang="en"/>
+                        <a:t>1</a:t>
+                      </a:r>
+                      <a:endParaRPr/>
+                    </a:p>
+                  </a:txBody>
+                  <a:tcPr marT="91425" marB="91425" marR="91425" marL="91425"/>
+                </a:tc>
+                <a:tc>
+                  <a:txBody>
+                    <a:bodyPr/>
+                    <a:lstStyle/>
+                    <a:p>
+                      <a:pPr indent="0" lvl="0" marL="0" rtl="0" algn="l">
+                        <a:spcBef>
+                          <a:spcPts val="0"/>
+                        </a:spcBef>
+                        <a:spcAft>
+                          <a:spcPts val="0"/>
+                        </a:spcAft>
+                        <a:buNone/>
+                      </a:pPr>
+                      <a:r>
+                        <a:rPr lang="en"/>
+                        <a:t>Nem.</a:t>
+                      </a:r>
+                      <a:endParaRPr/>
+                    </a:p>
+                  </a:txBody>
+                  <a:tcPr marT="91425" marB="91425" marR="91425" marL="91425"/>
+                </a:tc>
+              </a:tr>
+            </a:tbl>
+          </a:graphicData>
+        </a:graphic>
+      </p:graphicFrame>
+      <p:graphicFrame>
+        <p:nvGraphicFramePr>
+          <p:cNvPr id="196" name="Google Shape;196;p22"/>
+          <p:cNvGraphicFramePr/>
+          <p:nvPr/>
+        </p:nvGraphicFramePr>
+        <p:xfrm>
+          <a:off x="4654025" y="2289650"/>
+          <a:ext cx="3000000" cy="3000000"/>
+        </p:xfrm>
+        <a:graphic>
+          <a:graphicData uri="http://schemas.openxmlformats.org/drawingml/2006/table">
+            <a:tbl>
+              <a:tblPr>
+                <a:noFill/>
+                <a:tableStyleId>{614701DA-2BF0-452C-A09B-A52C99955728}</a:tableStyleId>
+              </a:tblPr>
+              <a:tblGrid>
+                <a:gridCol w="873700"/>
+                <a:gridCol w="838500"/>
+                <a:gridCol w="885400"/>
+                <a:gridCol w="615900"/>
+                <a:gridCol w="873650"/>
+              </a:tblGrid>
+              <a:tr h="396200">
+                <a:tc>
+                  <a:txBody>
+                    <a:bodyPr/>
+                    <a:lstStyle/>
+                    <a:p>
+                      <a:pPr indent="0" lvl="0" marL="0" rtl="0" algn="l">
+                        <a:spcBef>
+                          <a:spcPts val="0"/>
+                        </a:spcBef>
+                        <a:spcAft>
+                          <a:spcPts val="0"/>
+                        </a:spcAft>
+                        <a:buNone/>
+                      </a:pPr>
+                      <a:r>
+                        <a:rPr lang="en"/>
+                        <a:t>Club</a:t>
+                      </a:r>
+                      <a:endParaRPr/>
+                    </a:p>
+                  </a:txBody>
+                  <a:tcPr marT="91425" marB="91425" marR="91425" marL="91425"/>
+                </a:tc>
+                <a:tc>
+                  <a:txBody>
+                    <a:bodyPr/>
+                    <a:lstStyle/>
+                    <a:p>
+                      <a:pPr indent="0" lvl="0" marL="0" rtl="0" algn="l">
+                        <a:spcBef>
+                          <a:spcPts val="0"/>
+                        </a:spcBef>
+                        <a:spcAft>
+                          <a:spcPts val="0"/>
+                        </a:spcAft>
+                        <a:buNone/>
+                      </a:pPr>
+                      <a:r>
+                        <a:rPr lang="en"/>
+                        <a:t>Country</a:t>
+                      </a:r>
+                      <a:endParaRPr/>
+                    </a:p>
+                  </a:txBody>
+                  <a:tcPr marT="91425" marB="91425" marR="91425" marL="91425"/>
+                </a:tc>
+                <a:tc>
+                  <a:txBody>
+                    <a:bodyPr/>
+                    <a:lstStyle/>
+                    <a:p>
+                      <a:pPr indent="0" lvl="0" marL="0" rtl="0" algn="l">
+                        <a:spcBef>
+                          <a:spcPts val="0"/>
+                        </a:spcBef>
+                        <a:spcAft>
+                          <a:spcPts val="0"/>
+                        </a:spcAft>
+                        <a:buNone/>
+                      </a:pPr>
+                      <a:r>
+                        <a:rPr lang="en"/>
+                        <a:t>B.Player</a:t>
+                      </a:r>
+                      <a:endParaRPr/>
+                    </a:p>
+                  </a:txBody>
+                  <a:tcPr marT="91425" marB="91425" marR="91425" marL="91425"/>
+                </a:tc>
+                <a:tc>
+                  <a:txBody>
+                    <a:bodyPr/>
+                    <a:lstStyle/>
+                    <a:p>
+                      <a:pPr indent="0" lvl="0" marL="0" rtl="0" algn="l">
+                        <a:spcBef>
+                          <a:spcPts val="0"/>
+                        </a:spcBef>
+                        <a:spcAft>
+                          <a:spcPts val="0"/>
+                        </a:spcAft>
+                        <a:buNone/>
+                      </a:pPr>
+                      <a:r>
+                        <a:rPr lang="en"/>
+                        <a:t>Titles</a:t>
+                      </a:r>
+                      <a:endParaRPr/>
+                    </a:p>
+                  </a:txBody>
+                  <a:tcPr marT="91425" marB="91425" marR="91425" marL="91425"/>
+                </a:tc>
+                <a:tc>
+                  <a:txBody>
+                    <a:bodyPr/>
+                    <a:lstStyle/>
+                    <a:p>
+                      <a:pPr indent="0" lvl="0" marL="0" rtl="0" algn="l">
+                        <a:spcBef>
+                          <a:spcPts val="0"/>
+                        </a:spcBef>
+                        <a:spcAft>
+                          <a:spcPts val="0"/>
+                        </a:spcAft>
+                        <a:buNone/>
+                      </a:pPr>
+                      <a:r>
+                        <a:rPr lang="en"/>
+                        <a:t>League</a:t>
+                      </a:r>
+                      <a:endParaRPr/>
+                    </a:p>
+                  </a:txBody>
+                  <a:tcPr marT="91425" marB="91425" marR="91425" marL="91425"/>
+                </a:tc>
+              </a:tr>
+              <a:tr h="250000">
+                <a:tc>
+                  <a:txBody>
+                    <a:bodyPr/>
+                    <a:lstStyle/>
+                    <a:p>
+                      <a:pPr indent="0" lvl="0" marL="0" rtl="0" algn="l">
+                        <a:spcBef>
+                          <a:spcPts val="0"/>
+                        </a:spcBef>
+                        <a:spcAft>
+                          <a:spcPts val="0"/>
+                        </a:spcAft>
+                        <a:buNone/>
+                      </a:pPr>
+                      <a:r>
+                        <a:rPr lang="en"/>
+                        <a:t>Barca</a:t>
+                      </a:r>
+                      <a:endParaRPr/>
+                    </a:p>
+                  </a:txBody>
+                  <a:tcPr marT="91425" marB="91425" marR="91425" marL="91425"/>
+                </a:tc>
+                <a:tc>
+                  <a:txBody>
+                    <a:bodyPr/>
+                    <a:lstStyle/>
+                    <a:p>
+                      <a:pPr indent="0" lvl="0" marL="0" rtl="0" algn="l">
+                        <a:spcBef>
+                          <a:spcPts val="0"/>
+                        </a:spcBef>
+                        <a:spcAft>
+                          <a:spcPts val="0"/>
+                        </a:spcAft>
+                        <a:buNone/>
+                      </a:pPr>
+                      <a:r>
+                        <a:rPr lang="en"/>
+                        <a:t>Spain</a:t>
+                      </a:r>
+                      <a:endParaRPr/>
+                    </a:p>
+                  </a:txBody>
+                  <a:tcPr marT="91425" marB="91425" marR="91425" marL="91425"/>
+                </a:tc>
+                <a:tc>
+                  <a:txBody>
+                    <a:bodyPr/>
+                    <a:lstStyle/>
+                    <a:p>
+                      <a:pPr indent="0" lvl="0" marL="0" rtl="0" algn="l">
+                        <a:spcBef>
+                          <a:spcPts val="0"/>
+                        </a:spcBef>
+                        <a:spcAft>
+                          <a:spcPts val="0"/>
+                        </a:spcAft>
+                        <a:buNone/>
+                      </a:pPr>
+                      <a:r>
+                        <a:rPr lang="en"/>
+                        <a:t>Suarez</a:t>
+                      </a:r>
+                      <a:endParaRPr/>
+                    </a:p>
+                  </a:txBody>
+                  <a:tcPr marT="91425" marB="91425" marR="91425" marL="91425"/>
+                </a:tc>
+                <a:tc>
+                  <a:txBody>
+                    <a:bodyPr/>
+                    <a:lstStyle/>
+                    <a:p>
+                      <a:pPr indent="0" lvl="0" marL="0" rtl="0" algn="l">
+                        <a:spcBef>
+                          <a:spcPts val="0"/>
+                        </a:spcBef>
+                        <a:spcAft>
+                          <a:spcPts val="0"/>
+                        </a:spcAft>
+                        <a:buNone/>
+                      </a:pPr>
+                      <a:r>
+                        <a:rPr lang="en"/>
+                        <a:t>0</a:t>
+                      </a:r>
+                      <a:endParaRPr/>
+                    </a:p>
+                  </a:txBody>
+                  <a:tcPr marT="91425" marB="91425" marR="91425" marL="91425"/>
+                </a:tc>
+                <a:tc>
+                  <a:txBody>
+                    <a:bodyPr/>
+                    <a:lstStyle/>
+                    <a:p>
+                      <a:pPr indent="0" lvl="0" marL="0" rtl="0" algn="l">
+                        <a:spcBef>
+                          <a:spcPts val="0"/>
+                        </a:spcBef>
+                        <a:spcAft>
+                          <a:spcPts val="0"/>
+                        </a:spcAft>
+                        <a:buNone/>
+                      </a:pPr>
+                      <a:r>
+                        <a:rPr lang="en"/>
+                        <a:t>1</a:t>
+                      </a:r>
+                      <a:endParaRPr/>
+                    </a:p>
+                  </a:txBody>
+                  <a:tcPr marT="91425" marB="91425" marR="91425" marL="91425"/>
+                </a:tc>
+              </a:tr>
+              <a:tr h="250000">
+                <a:tc>
+                  <a:txBody>
+                    <a:bodyPr/>
+                    <a:lstStyle/>
+                    <a:p>
+                      <a:pPr indent="0" lvl="0" marL="0" rtl="0" algn="l">
+                        <a:spcBef>
+                          <a:spcPts val="0"/>
+                        </a:spcBef>
+                        <a:spcAft>
+                          <a:spcPts val="0"/>
+                        </a:spcAft>
+                        <a:buNone/>
+                      </a:pPr>
+                      <a:r>
+                        <a:rPr lang="en"/>
+                        <a:t>PSG</a:t>
+                      </a:r>
+                      <a:endParaRPr/>
+                    </a:p>
+                  </a:txBody>
+                  <a:tcPr marT="91425" marB="91425" marR="91425" marL="91425"/>
+                </a:tc>
+                <a:tc>
+                  <a:txBody>
+                    <a:bodyPr/>
+                    <a:lstStyle/>
+                    <a:p>
+                      <a:pPr indent="0" lvl="0" marL="0" rtl="0" algn="l">
+                        <a:spcBef>
+                          <a:spcPts val="0"/>
+                        </a:spcBef>
+                        <a:spcAft>
+                          <a:spcPts val="0"/>
+                        </a:spcAft>
+                        <a:buNone/>
+                      </a:pPr>
+                      <a:r>
+                        <a:rPr lang="en"/>
+                        <a:t>France</a:t>
+                      </a:r>
+                      <a:endParaRPr/>
+                    </a:p>
+                  </a:txBody>
+                  <a:tcPr marT="91425" marB="91425" marR="91425" marL="91425"/>
+                </a:tc>
+                <a:tc>
+                  <a:txBody>
+                    <a:bodyPr/>
+                    <a:lstStyle/>
+                    <a:p>
+                      <a:pPr indent="0" lvl="0" marL="0" rtl="0" algn="l">
+                        <a:spcBef>
+                          <a:spcPts val="0"/>
+                        </a:spcBef>
+                        <a:spcAft>
+                          <a:spcPts val="0"/>
+                        </a:spcAft>
+                        <a:buNone/>
+                      </a:pPr>
+                      <a:r>
+                        <a:rPr lang="en"/>
+                        <a:t>Cav.</a:t>
+                      </a:r>
+                      <a:endParaRPr/>
+                    </a:p>
+                  </a:txBody>
+                  <a:tcPr marT="91425" marB="91425" marR="91425" marL="91425"/>
+                </a:tc>
+                <a:tc>
+                  <a:txBody>
+                    <a:bodyPr/>
+                    <a:lstStyle/>
+                    <a:p>
+                      <a:pPr indent="0" lvl="0" marL="0" rtl="0" algn="l">
+                        <a:spcBef>
+                          <a:spcPts val="0"/>
+                        </a:spcBef>
+                        <a:spcAft>
+                          <a:spcPts val="0"/>
+                        </a:spcAft>
+                        <a:buNone/>
+                      </a:pPr>
+                      <a:r>
+                        <a:rPr lang="en"/>
+                        <a:t>1</a:t>
+                      </a:r>
+                      <a:endParaRPr/>
+                    </a:p>
+                  </a:txBody>
+                  <a:tcPr marT="91425" marB="91425" marR="91425" marL="91425"/>
+                </a:tc>
+                <a:tc>
+                  <a:txBody>
+                    <a:bodyPr/>
+                    <a:lstStyle/>
+                    <a:p>
+                      <a:pPr indent="0" lvl="0" marL="0" rtl="0" algn="l">
+                        <a:spcBef>
+                          <a:spcPts val="0"/>
+                        </a:spcBef>
+                        <a:spcAft>
+                          <a:spcPts val="0"/>
+                        </a:spcAft>
+                        <a:buNone/>
+                      </a:pPr>
+                      <a:r>
+                        <a:rPr lang="en"/>
+                        <a:t>1</a:t>
+                      </a:r>
+                      <a:endParaRPr/>
+                    </a:p>
+                  </a:txBody>
+                  <a:tcPr marT="91425" marB="91425" marR="91425" marL="91425"/>
+                </a:tc>
+              </a:tr>
+              <a:tr h="250000">
+                <a:tc>
+                  <a:txBody>
+                    <a:bodyPr/>
+                    <a:lstStyle/>
+                    <a:p>
+                      <a:pPr indent="0" lvl="0" marL="0" rtl="0" algn="l">
+                        <a:spcBef>
+                          <a:spcPts val="0"/>
+                        </a:spcBef>
+                        <a:spcAft>
+                          <a:spcPts val="0"/>
+                        </a:spcAft>
+                        <a:buNone/>
+                      </a:pPr>
+                      <a:r>
+                        <a:rPr lang="en"/>
+                        <a:t>Real</a:t>
+                      </a:r>
+                      <a:endParaRPr/>
+                    </a:p>
+                  </a:txBody>
+                  <a:tcPr marT="91425" marB="91425" marR="91425" marL="91425"/>
+                </a:tc>
+                <a:tc>
+                  <a:txBody>
+                    <a:bodyPr/>
+                    <a:lstStyle/>
+                    <a:p>
+                      <a:pPr indent="0" lvl="0" marL="0" rtl="0" algn="l">
+                        <a:spcBef>
+                          <a:spcPts val="0"/>
+                        </a:spcBef>
+                        <a:spcAft>
+                          <a:spcPts val="0"/>
+                        </a:spcAft>
+                        <a:buNone/>
+                      </a:pPr>
+                      <a:r>
+                        <a:rPr lang="en"/>
+                        <a:t>Spain</a:t>
+                      </a:r>
+                      <a:endParaRPr/>
+                    </a:p>
+                  </a:txBody>
+                  <a:tcPr marT="91425" marB="91425" marR="91425" marL="91425"/>
+                </a:tc>
+                <a:tc>
+                  <a:txBody>
+                    <a:bodyPr/>
+                    <a:lstStyle/>
+                    <a:p>
+                      <a:pPr indent="0" lvl="0" marL="0" rtl="0" algn="l">
+                        <a:spcBef>
+                          <a:spcPts val="0"/>
+                        </a:spcBef>
+                        <a:spcAft>
+                          <a:spcPts val="0"/>
+                        </a:spcAft>
+                        <a:buNone/>
+                      </a:pPr>
+                      <a:r>
+                        <a:rPr lang="en"/>
+                        <a:t>Benz.</a:t>
+                      </a:r>
+                      <a:endParaRPr/>
+                    </a:p>
+                  </a:txBody>
+                  <a:tcPr marT="91425" marB="91425" marR="91425" marL="91425"/>
+                </a:tc>
+                <a:tc>
+                  <a:txBody>
+                    <a:bodyPr/>
+                    <a:lstStyle/>
+                    <a:p>
+                      <a:pPr indent="0" lvl="0" marL="0" rtl="0" algn="l">
+                        <a:spcBef>
+                          <a:spcPts val="0"/>
+                        </a:spcBef>
+                        <a:spcAft>
+                          <a:spcPts val="0"/>
+                        </a:spcAft>
+                        <a:buNone/>
+                      </a:pPr>
+                      <a:r>
+                        <a:rPr lang="en"/>
+                        <a:t>1</a:t>
+                      </a:r>
+                      <a:endParaRPr/>
+                    </a:p>
+                  </a:txBody>
+                  <a:tcPr marT="91425" marB="91425" marR="91425" marL="91425"/>
+                </a:tc>
+                <a:tc>
+                  <a:txBody>
+                    <a:bodyPr/>
+                    <a:lstStyle/>
+                    <a:p>
+                      <a:pPr indent="0" lvl="0" marL="0" rtl="0" algn="l">
+                        <a:spcBef>
+                          <a:spcPts val="0"/>
+                        </a:spcBef>
+                        <a:spcAft>
+                          <a:spcPts val="0"/>
+                        </a:spcAft>
+                        <a:buNone/>
+                      </a:pPr>
+                      <a:r>
+                        <a:rPr lang="en"/>
+                        <a:t>1</a:t>
+                      </a:r>
+                      <a:endParaRPr/>
+                    </a:p>
+                  </a:txBody>
+                  <a:tcPr marT="91425" marB="91425" marR="91425" marL="91425"/>
+                </a:tc>
+              </a:tr>
+              <a:tr h="250000">
+                <a:tc>
+                  <a:txBody>
+                    <a:bodyPr/>
+                    <a:lstStyle/>
+                    <a:p>
+                      <a:pPr indent="0" lvl="0" marL="0" rtl="0" algn="l">
+                        <a:spcBef>
+                          <a:spcPts val="0"/>
+                        </a:spcBef>
+                        <a:spcAft>
+                          <a:spcPts val="0"/>
+                        </a:spcAft>
+                        <a:buNone/>
+                      </a:pPr>
+                      <a:r>
+                        <a:rPr lang="en"/>
+                        <a:t>Real</a:t>
+                      </a:r>
+                      <a:endParaRPr/>
+                    </a:p>
+                  </a:txBody>
+                  <a:tcPr marT="91425" marB="91425" marR="91425" marL="91425"/>
+                </a:tc>
+                <a:tc>
+                  <a:txBody>
+                    <a:bodyPr/>
+                    <a:lstStyle/>
+                    <a:p>
+                      <a:pPr indent="0" lvl="0" marL="0" rtl="0" algn="l">
+                        <a:spcBef>
+                          <a:spcPts val="0"/>
+                        </a:spcBef>
+                        <a:spcAft>
+                          <a:spcPts val="0"/>
+                        </a:spcAft>
+                        <a:buNone/>
+                      </a:pPr>
+                      <a:r>
+                        <a:rPr lang="en"/>
+                        <a:t>Spain</a:t>
+                      </a:r>
+                      <a:endParaRPr/>
+                    </a:p>
+                  </a:txBody>
+                  <a:tcPr marT="91425" marB="91425" marR="91425" marL="91425"/>
+                </a:tc>
+                <a:tc>
+                  <a:txBody>
+                    <a:bodyPr/>
+                    <a:lstStyle/>
+                    <a:p>
+                      <a:pPr indent="0" lvl="0" marL="0" rtl="0" algn="l">
+                        <a:spcBef>
+                          <a:spcPts val="0"/>
+                        </a:spcBef>
+                        <a:spcAft>
+                          <a:spcPts val="0"/>
+                        </a:spcAft>
+                        <a:buNone/>
+                      </a:pPr>
+                      <a:r>
+                        <a:rPr lang="en"/>
+                        <a:t>Diaz</a:t>
+                      </a:r>
+                      <a:endParaRPr/>
+                    </a:p>
+                  </a:txBody>
+                  <a:tcPr marT="91425" marB="91425" marR="91425" marL="91425"/>
+                </a:tc>
+                <a:tc>
+                  <a:txBody>
+                    <a:bodyPr/>
+                    <a:lstStyle/>
+                    <a:p>
+                      <a:pPr indent="0" lvl="0" marL="0" rtl="0" algn="l">
+                        <a:spcBef>
+                          <a:spcPts val="0"/>
+                        </a:spcBef>
+                        <a:spcAft>
+                          <a:spcPts val="0"/>
+                        </a:spcAft>
+                        <a:buNone/>
+                      </a:pPr>
+                      <a:r>
+                        <a:rPr lang="en"/>
+                        <a:t>0</a:t>
+                      </a:r>
+                      <a:endParaRPr/>
+                    </a:p>
+                  </a:txBody>
+                  <a:tcPr marT="91425" marB="91425" marR="91425" marL="91425"/>
+                </a:tc>
+                <a:tc>
+                  <a:txBody>
+                    <a:bodyPr/>
+                    <a:lstStyle/>
+                    <a:p>
+                      <a:pPr indent="0" lvl="0" marL="0" rtl="0" algn="l">
+                        <a:spcBef>
+                          <a:spcPts val="0"/>
+                        </a:spcBef>
+                        <a:spcAft>
+                          <a:spcPts val="0"/>
+                        </a:spcAft>
+                        <a:buNone/>
+                      </a:pPr>
+                      <a:r>
+                        <a:rPr lang="en"/>
+                        <a:t>2</a:t>
+                      </a:r>
+                      <a:endParaRPr/>
+                    </a:p>
+                  </a:txBody>
+                  <a:tcPr marT="91425" marB="91425" marR="91425" marL="91425"/>
+                </a:tc>
+              </a:tr>
+            </a:tbl>
+          </a:graphicData>
+        </a:graphic>
+      </p:graphicFrame>
+    </p:spTree>
+  </p:cSld>
+  <p:clrMapOvr>
+    <a:masterClrMapping/>
+  </p:clrMapOvr>
+</p:sld>
+</file>
+
+<file path=ppt/slides/slide11.xml><?xml version="1.0" encoding="utf-8"?>
+<p:sld xmlns:a="http://schemas.openxmlformats.org/drawingml/2006/main" xmlns:r="http://schemas.openxmlformats.org/officeDocument/2006/relationships" xmlns:mc="http://schemas.openxmlformats.org/markup-compatibility/2006" xmlns:mv="urn:schemas-microsoft-com:mac:vml" xmlns:p="http://schemas.openxmlformats.org/presentationml/2006/main" xmlns:c="http://schemas.openxmlformats.org/drawingml/2006/chart" xmlns:dgm="http://schemas.openxmlformats.org/drawingml/2006/diagram" xmlns:o="urn:schemas-microsoft-com:office:office" xmlns:v="urn:schemas-microsoft-com:vml" xmlns:pvml="urn:schemas-microsoft-com:office:powerpoint" xmlns:com="http://schemas.openxmlformats.org/drawingml/2006/compatibility" xmlns:p14="http://schemas.microsoft.com/office/powerpoint/2010/main" xmlns:p15="http://schemas.microsoft.com/office/powerpoint/2012/main" xmlns:ahyp="http://schemas.microsoft.com/office/drawing/2018/hyperlinkcolor">
+  <p:cSld>
+    <p:spTree>
+      <p:nvGrpSpPr>
+        <p:cNvPr id="200" name="Shape 200"/>
+        <p:cNvGrpSpPr/>
+        <p:nvPr/>
+      </p:nvGrpSpPr>
+      <p:grpSpPr>
+        <a:xfrm>
+          <a:off x="0" y="0"/>
+          <a:ext cx="0" cy="0"/>
+          <a:chOff x="0" y="0"/>
+          <a:chExt cx="0" cy="0"/>
+        </a:xfrm>
+      </p:grpSpPr>
+      <p:sp>
+        <p:nvSpPr>
+          <p:cNvPr id="201" name="Google Shape;201;p23"/>
+          <p:cNvSpPr txBox="1"/>
+          <p:nvPr>
+            <p:ph type="title"/>
+          </p:nvPr>
+        </p:nvSpPr>
+        <p:spPr>
+          <a:xfrm>
+            <a:off x="819150" y="845600"/>
+            <a:ext cx="7505700" cy="954600"/>
+          </a:xfrm>
+          <a:prstGeom prst="rect">
+            <a:avLst/>
+          </a:prstGeom>
+        </p:spPr>
+        <p:txBody>
+          <a:bodyPr anchorCtr="0" anchor="t" bIns="91425" lIns="91425" spcFirstLastPara="1" rIns="91425" wrap="square" tIns="91425">
+            <a:normAutofit/>
+          </a:bodyPr>
+          <a:lstStyle/>
+          <a:p>
+            <a:pPr indent="0" lvl="0" marL="0" rtl="0" algn="l">
+              <a:spcBef>
+                <a:spcPts val="0"/>
+              </a:spcBef>
+              <a:spcAft>
+                <a:spcPts val="0"/>
+              </a:spcAft>
+              <a:buNone/>
+            </a:pPr>
+            <a:r>
+              <a:rPr lang="en"/>
               <a:t>Data comparison</a:t>
             </a:r>
             <a:endParaRPr/>
@@ -10413,7 +11832,7 @@
       </p:sp>
       <p:sp>
         <p:nvSpPr>
-          <p:cNvPr id="191" name="Google Shape;191;p22"/>
+          <p:cNvPr id="202" name="Google Shape;202;p23"/>
           <p:cNvSpPr txBox="1"/>
           <p:nvPr>
             <p:ph idx="1" type="body"/>
@@ -10434,7 +11853,63 @@
           </a:bodyPr>
           <a:lstStyle/>
           <a:p>
-            <a:pPr indent="-317500" lvl="0" marL="457200" rtl="0" algn="l">
+            <a:pPr indent="-330200" lvl="0" marL="457200" rtl="0" algn="l">
+              <a:spcBef>
+                <a:spcPts val="0"/>
+              </a:spcBef>
+              <a:spcAft>
+                <a:spcPts val="0"/>
+              </a:spcAft>
+              <a:buClr>
+                <a:schemeClr val="lt1"/>
+              </a:buClr>
+              <a:buSzPts val="1600"/>
+              <a:buChar char="●"/>
+            </a:pPr>
+            <a:r>
+              <a:rPr lang="en" sz="1600">
+                <a:solidFill>
+                  <a:schemeClr val="lt1"/>
+                </a:solidFill>
+              </a:rPr>
+              <a:t>Rearrangement of the data instances</a:t>
+            </a:r>
+            <a:endParaRPr sz="1600">
+              <a:solidFill>
+                <a:schemeClr val="lt1"/>
+              </a:solidFill>
+            </a:endParaRPr>
+          </a:p>
+          <a:p>
+            <a:pPr indent="-330200" lvl="0" marL="457200" rtl="0" algn="l">
+              <a:spcBef>
+                <a:spcPts val="0"/>
+              </a:spcBef>
+              <a:spcAft>
+                <a:spcPts val="0"/>
+              </a:spcAft>
+              <a:buClr>
+                <a:schemeClr val="lt1"/>
+              </a:buClr>
+              <a:buSzPts val="1600"/>
+              <a:buChar char="●"/>
+            </a:pPr>
+            <a:r>
+              <a:rPr lang="en" sz="1600">
+                <a:solidFill>
+                  <a:schemeClr val="lt1"/>
+                </a:solidFill>
+              </a:rPr>
+              <a:t>What is interpreted as a difference?</a:t>
+            </a:r>
+            <a:endParaRPr sz="1600">
+              <a:solidFill>
+                <a:schemeClr val="lt1"/>
+              </a:solidFill>
+            </a:endParaRPr>
+          </a:p>
+          <a:p>
+            <a:pPr indent="-317500" lvl="1" marL="914400" rtl="0" algn="l">
               <a:spcBef>
                 <a:spcPts val="0"/>
               </a:spcBef>
@@ -10445,7 +11920,7 @@
                 <a:schemeClr val="lt1"/>
               </a:buClr>
               <a:buSzPts val="1400"/>
-              <a:buChar char="●"/>
+              <a:buChar char="○"/>
             </a:pPr>
             <a:r>
               <a:rPr lang="en" sz="1400">
@@ -10453,7 +11928,7 @@
                   <a:schemeClr val="lt1"/>
                 </a:solidFill>
               </a:rPr>
-              <a:t>Rearrangement of the data instances</a:t>
+              <a:t>Difference in values</a:t>
             </a:r>
             <a:endParaRPr sz="1400">
               <a:solidFill>
@@ -10462,7 +11937,7 @@
             </a:endParaRPr>
           </a:p>
           <a:p>
-            <a:pPr indent="-317500" lvl="0" marL="457200" rtl="0" algn="l">
+            <a:pPr indent="-317500" lvl="1" marL="914400" rtl="0" algn="l">
               <a:spcBef>
                 <a:spcPts val="0"/>
               </a:spcBef>
@@ -10473,7 +11948,7 @@
                 <a:schemeClr val="lt1"/>
               </a:buClr>
               <a:buSzPts val="1400"/>
-              <a:buChar char="●"/>
+              <a:buChar char="○"/>
             </a:pPr>
             <a:r>
               <a:rPr lang="en" sz="1400">
@@ -10481,7 +11956,7 @@
                   <a:schemeClr val="lt1"/>
                 </a:solidFill>
               </a:rPr>
-              <a:t>What is interpreted as a difference?</a:t>
+              <a:t>One of the values is NaN</a:t>
             </a:r>
             <a:endParaRPr sz="1400">
               <a:solidFill>
@@ -10490,7 +11965,7 @@
             </a:endParaRPr>
           </a:p>
           <a:p>
-            <a:pPr indent="-304800" lvl="1" marL="914400" rtl="0" algn="l">
+            <a:pPr indent="-317500" lvl="1" marL="914400" rtl="0" algn="l">
               <a:spcBef>
                 <a:spcPts val="0"/>
               </a:spcBef>
@@ -10500,25 +11975,25 @@
               <a:buClr>
                 <a:schemeClr val="lt1"/>
               </a:buClr>
-              <a:buSzPts val="1200"/>
+              <a:buSzPts val="1400"/>
               <a:buChar char="○"/>
             </a:pPr>
             <a:r>
-              <a:rPr lang="en" sz="1200">
+              <a:rPr lang="en" sz="1400">
                 <a:solidFill>
                   <a:schemeClr val="lt1"/>
                 </a:solidFill>
               </a:rPr>
-              <a:t>Difference in values</a:t>
+              <a:t>Both of the values are NaN</a:t>
             </a:r>
-            <a:endParaRPr sz="1200">
+            <a:endParaRPr sz="1400">
               <a:solidFill>
                 <a:schemeClr val="lt1"/>
               </a:solidFill>
             </a:endParaRPr>
           </a:p>
           <a:p>
-            <a:pPr indent="-304800" lvl="1" marL="914400" rtl="0" algn="l">
+            <a:pPr indent="-317500" lvl="1" marL="914400" rtl="0" algn="l">
               <a:spcBef>
                 <a:spcPts val="0"/>
               </a:spcBef>
@@ -10528,25 +12003,25 @@
               <a:buClr>
                 <a:schemeClr val="lt1"/>
               </a:buClr>
-              <a:buSzPts val="1200"/>
+              <a:buSzPts val="1400"/>
               <a:buChar char="○"/>
             </a:pPr>
             <a:r>
-              <a:rPr lang="en" sz="1200">
+              <a:rPr lang="en" sz="1400">
                 <a:solidFill>
                   <a:schemeClr val="lt1"/>
                 </a:solidFill>
               </a:rPr>
-              <a:t>One of the values is NaN</a:t>
+              <a:t>Different string values</a:t>
             </a:r>
-            <a:endParaRPr sz="1200">
+            <a:endParaRPr sz="1400">
               <a:solidFill>
                 <a:schemeClr val="lt1"/>
               </a:solidFill>
             </a:endParaRPr>
           </a:p>
           <a:p>
-            <a:pPr indent="-304800" lvl="1" marL="914400" rtl="0" algn="l">
+            <a:pPr indent="-317500" lvl="1" marL="914400" rtl="0" algn="l">
               <a:spcBef>
                 <a:spcPts val="0"/>
               </a:spcBef>
@@ -10556,74 +12031,18 @@
               <a:buClr>
                 <a:schemeClr val="lt1"/>
               </a:buClr>
-              <a:buSzPts val="1200"/>
+              <a:buSzPts val="1400"/>
               <a:buChar char="○"/>
             </a:pPr>
             <a:r>
-              <a:rPr lang="en" sz="1200">
-                <a:solidFill>
-                  <a:schemeClr val="lt1"/>
-                </a:solidFill>
-              </a:rPr>
-              <a:t>Both of the values are NaN</a:t>
-            </a:r>
-            <a:endParaRPr sz="1200">
-              <a:solidFill>
-                <a:schemeClr val="lt1"/>
-              </a:solidFill>
-            </a:endParaRPr>
-          </a:p>
-          <a:p>
-            <a:pPr indent="-304800" lvl="1" marL="914400" rtl="0" algn="l">
-              <a:spcBef>
-                <a:spcPts val="0"/>
-              </a:spcBef>
-              <a:spcAft>
-                <a:spcPts val="0"/>
-              </a:spcAft>
-              <a:buClr>
-                <a:schemeClr val="lt1"/>
-              </a:buClr>
-              <a:buSzPts val="1200"/>
-              <a:buChar char="○"/>
-            </a:pPr>
-            <a:r>
-              <a:rPr lang="en" sz="1200">
-                <a:solidFill>
-                  <a:schemeClr val="lt1"/>
-                </a:solidFill>
-              </a:rPr>
-              <a:t>Different string values</a:t>
-            </a:r>
-            <a:endParaRPr sz="1200">
-              <a:solidFill>
-                <a:schemeClr val="lt1"/>
-              </a:solidFill>
-            </a:endParaRPr>
-          </a:p>
-          <a:p>
-            <a:pPr indent="-304800" lvl="1" marL="914400" rtl="0" algn="l">
-              <a:spcBef>
-                <a:spcPts val="0"/>
-              </a:spcBef>
-              <a:spcAft>
-                <a:spcPts val="0"/>
-              </a:spcAft>
-              <a:buClr>
-                <a:schemeClr val="lt1"/>
-              </a:buClr>
-              <a:buSzPts val="1200"/>
-              <a:buChar char="○"/>
-            </a:pPr>
-            <a:r>
-              <a:rPr lang="en" sz="1200">
+              <a:rPr lang="en" sz="1400">
                 <a:solidFill>
                   <a:schemeClr val="lt1"/>
                 </a:solidFill>
               </a:rPr>
               <a:t>Equal string values</a:t>
             </a:r>
-            <a:endParaRPr sz="1200">
+            <a:endParaRPr sz="1400">
               <a:solidFill>
                 <a:schemeClr val="lt1"/>
               </a:solidFill>
@@ -10652,7 +12071,7 @@
       </p:sp>
       <p:pic>
         <p:nvPicPr>
-          <p:cNvPr id="192" name="Google Shape;192;p22"/>
+          <p:cNvPr id="203" name="Google Shape;203;p23"/>
           <p:cNvPicPr preferRelativeResize="0"/>
           <p:nvPr/>
         </p:nvPicPr>
@@ -10686,12 +12105,12 @@
 </p:sld>
 </file>
 
-<file path=ppt/slides/slide11.xml><?xml version="1.0" encoding="utf-8"?>
+<file path=ppt/slides/slide12.xml><?xml version="1.0" encoding="utf-8"?>
 <p:sld xmlns:a="http://schemas.openxmlformats.org/drawingml/2006/main" xmlns:r="http://schemas.openxmlformats.org/officeDocument/2006/relationships" xmlns:mc="http://schemas.openxmlformats.org/markup-compatibility/2006" xmlns:mv="urn:schemas-microsoft-com:mac:vml" xmlns:p="http://schemas.openxmlformats.org/presentationml/2006/main" xmlns:c="http://schemas.openxmlformats.org/drawingml/2006/chart" xmlns:dgm="http://schemas.openxmlformats.org/drawingml/2006/diagram" xmlns:o="urn:schemas-microsoft-com:office:office" xmlns:v="urn:schemas-microsoft-com:vml" xmlns:pvml="urn:schemas-microsoft-com:office:powerpoint" xmlns:com="http://schemas.openxmlformats.org/drawingml/2006/compatibility" xmlns:p14="http://schemas.microsoft.com/office/powerpoint/2010/main" xmlns:p15="http://schemas.microsoft.com/office/powerpoint/2012/main" xmlns:ahyp="http://schemas.microsoft.com/office/drawing/2018/hyperlinkcolor">
   <p:cSld>
     <p:spTree>
       <p:nvGrpSpPr>
-        <p:cNvPr id="196" name="Shape 196"/>
+        <p:cNvPr id="207" name="Shape 207"/>
         <p:cNvGrpSpPr/>
         <p:nvPr/>
       </p:nvGrpSpPr>
@@ -10705,7 +12124,7 @@
       </p:grpSpPr>
       <p:sp>
         <p:nvSpPr>
-          <p:cNvPr id="197" name="Google Shape;197;p23"/>
+          <p:cNvPr id="208" name="Google Shape;208;p24"/>
           <p:cNvSpPr txBox="1"/>
           <p:nvPr>
             <p:ph type="title"/>
@@ -10745,7 +12164,7 @@
       </p:sp>
       <p:sp>
         <p:nvSpPr>
-          <p:cNvPr id="198" name="Google Shape;198;p23"/>
+          <p:cNvPr id="209" name="Google Shape;209;p24"/>
           <p:cNvSpPr txBox="1"/>
           <p:nvPr>
             <p:ph idx="1" type="body"/>
@@ -10928,7 +12347,7 @@
       </p:sp>
       <p:pic>
         <p:nvPicPr>
-          <p:cNvPr id="199" name="Google Shape;199;p23"/>
+          <p:cNvPr id="210" name="Google Shape;210;p24"/>
           <p:cNvPicPr preferRelativeResize="0"/>
           <p:nvPr/>
         </p:nvPicPr>
@@ -10962,12 +12381,12 @@
 </p:sld>
 </file>
 
-<file path=ppt/slides/slide12.xml><?xml version="1.0" encoding="utf-8"?>
+<file path=ppt/slides/slide13.xml><?xml version="1.0" encoding="utf-8"?>
 <p:sld xmlns:a="http://schemas.openxmlformats.org/drawingml/2006/main" xmlns:r="http://schemas.openxmlformats.org/officeDocument/2006/relationships" xmlns:mc="http://schemas.openxmlformats.org/markup-compatibility/2006" xmlns:mv="urn:schemas-microsoft-com:mac:vml" xmlns:p="http://schemas.openxmlformats.org/presentationml/2006/main" xmlns:c="http://schemas.openxmlformats.org/drawingml/2006/chart" xmlns:dgm="http://schemas.openxmlformats.org/drawingml/2006/diagram" xmlns:o="urn:schemas-microsoft-com:office:office" xmlns:v="urn:schemas-microsoft-com:vml" xmlns:pvml="urn:schemas-microsoft-com:office:powerpoint" xmlns:com="http://schemas.openxmlformats.org/drawingml/2006/compatibility" xmlns:p14="http://schemas.microsoft.com/office/powerpoint/2010/main" xmlns:p15="http://schemas.microsoft.com/office/powerpoint/2012/main" xmlns:ahyp="http://schemas.microsoft.com/office/drawing/2018/hyperlinkcolor">
   <p:cSld>
     <p:spTree>
       <p:nvGrpSpPr>
-        <p:cNvPr id="203" name="Shape 203"/>
+        <p:cNvPr id="214" name="Shape 214"/>
         <p:cNvGrpSpPr/>
         <p:nvPr/>
       </p:nvGrpSpPr>
@@ -10981,7 +12400,7 @@
       </p:grpSpPr>
       <p:sp>
         <p:nvSpPr>
-          <p:cNvPr id="204" name="Google Shape;204;p24"/>
+          <p:cNvPr id="215" name="Google Shape;215;p25"/>
           <p:cNvSpPr txBox="1"/>
           <p:nvPr>
             <p:ph type="title"/>
@@ -11020,7 +12439,7 @@
       </p:sp>
       <p:sp>
         <p:nvSpPr>
-          <p:cNvPr id="205" name="Google Shape;205;p24"/>
+          <p:cNvPr id="216" name="Google Shape;216;p25"/>
           <p:cNvSpPr txBox="1"/>
           <p:nvPr>
             <p:ph idx="1" type="body"/>
@@ -11059,7 +12478,7 @@
       </p:sp>
       <p:pic>
         <p:nvPicPr>
-          <p:cNvPr id="206" name="Google Shape;206;p24"/>
+          <p:cNvPr id="217" name="Google Shape;217;p25"/>
           <p:cNvPicPr preferRelativeResize="0"/>
           <p:nvPr/>
         </p:nvPicPr>
@@ -11093,12 +12512,12 @@
 </p:sld>
 </file>
 
-<file path=ppt/slides/slide13.xml><?xml version="1.0" encoding="utf-8"?>
+<file path=ppt/slides/slide14.xml><?xml version="1.0" encoding="utf-8"?>
 <p:sld xmlns:a="http://schemas.openxmlformats.org/drawingml/2006/main" xmlns:r="http://schemas.openxmlformats.org/officeDocument/2006/relationships" xmlns:mc="http://schemas.openxmlformats.org/markup-compatibility/2006" xmlns:mv="urn:schemas-microsoft-com:mac:vml" xmlns:p="http://schemas.openxmlformats.org/presentationml/2006/main" xmlns:c="http://schemas.openxmlformats.org/drawingml/2006/chart" xmlns:dgm="http://schemas.openxmlformats.org/drawingml/2006/diagram" xmlns:o="urn:schemas-microsoft-com:office:office" xmlns:v="urn:schemas-microsoft-com:vml" xmlns:pvml="urn:schemas-microsoft-com:office:powerpoint" xmlns:com="http://schemas.openxmlformats.org/drawingml/2006/compatibility" xmlns:p14="http://schemas.microsoft.com/office/powerpoint/2010/main" xmlns:p15="http://schemas.microsoft.com/office/powerpoint/2012/main" xmlns:ahyp="http://schemas.microsoft.com/office/drawing/2018/hyperlinkcolor">
   <p:cSld>
     <p:spTree>
       <p:nvGrpSpPr>
-        <p:cNvPr id="210" name="Shape 210"/>
+        <p:cNvPr id="221" name="Shape 221"/>
         <p:cNvGrpSpPr/>
         <p:nvPr/>
       </p:nvGrpSpPr>
@@ -11112,7 +12531,7 @@
       </p:grpSpPr>
       <p:sp>
         <p:nvSpPr>
-          <p:cNvPr id="211" name="Google Shape;211;p25"/>
+          <p:cNvPr id="222" name="Google Shape;222;p26"/>
           <p:cNvSpPr txBox="1"/>
           <p:nvPr>
             <p:ph type="title"/>
@@ -11143,16 +12562,16 @@
               <a:buNone/>
             </a:pPr>
             <a:r>
-              <a:rPr lang="en"/>
+              <a:rPr lang="en" sz="3100"/>
               <a:t>Discussion</a:t>
             </a:r>
-            <a:endParaRPr/>
+            <a:endParaRPr sz="3100"/>
           </a:p>
         </p:txBody>
       </p:sp>
       <p:sp>
         <p:nvSpPr>
-          <p:cNvPr id="212" name="Google Shape;212;p25"/>
+          <p:cNvPr id="223" name="Google Shape;223;p26"/>
           <p:cNvSpPr txBox="1"/>
           <p:nvPr>
             <p:ph idx="1" type="body"/>
@@ -11160,8 +12579,8 @@
         </p:nvSpPr>
         <p:spPr>
           <a:xfrm>
-            <a:off x="819150" y="1990725"/>
-            <a:ext cx="7505700" cy="2448000"/>
+            <a:off x="819150" y="1516100"/>
+            <a:ext cx="7958700" cy="2770500"/>
           </a:xfrm>
           <a:prstGeom prst="rect">
             <a:avLst/>
@@ -11173,7 +12592,7 @@
           </a:bodyPr>
           <a:lstStyle/>
           <a:p>
-            <a:pPr indent="-323850" lvl="0" marL="457200" rtl="0" algn="l">
+            <a:pPr indent="-342900" lvl="0" marL="457200" rtl="0" algn="l">
               <a:spcBef>
                 <a:spcPts val="0"/>
               </a:spcBef>
@@ -11183,25 +12602,25 @@
               <a:buClr>
                 <a:schemeClr val="lt1"/>
               </a:buClr>
-              <a:buSzPts val="1500"/>
+              <a:buSzPts val="1800"/>
               <a:buChar char="●"/>
             </a:pPr>
             <a:r>
-              <a:rPr lang="en" sz="1500">
+              <a:rPr lang="en" sz="1800">
                 <a:solidFill>
                   <a:schemeClr val="lt1"/>
                 </a:solidFill>
               </a:rPr>
               <a:t>What was achieved?</a:t>
             </a:r>
-            <a:endParaRPr sz="1500">
+            <a:endParaRPr sz="1800">
               <a:solidFill>
                 <a:schemeClr val="lt1"/>
               </a:solidFill>
             </a:endParaRPr>
           </a:p>
           <a:p>
-            <a:pPr indent="-323850" lvl="0" marL="457200" rtl="0" algn="l">
+            <a:pPr indent="-342900" lvl="0" marL="457200" rtl="0" algn="l">
               <a:spcBef>
                 <a:spcPts val="0"/>
               </a:spcBef>
@@ -11211,25 +12630,53 @@
               <a:buClr>
                 <a:schemeClr val="lt1"/>
               </a:buClr>
-              <a:buSzPts val="1500"/>
+              <a:buSzPts val="1800"/>
               <a:buChar char="●"/>
             </a:pPr>
             <a:r>
-              <a:rPr lang="en" sz="1500">
+              <a:rPr lang="en" sz="1800">
+                <a:solidFill>
+                  <a:schemeClr val="lt1"/>
+                </a:solidFill>
+              </a:rPr>
+              <a:t>Why we did not use any conventional Data Science Methods?</a:t>
+            </a:r>
+            <a:endParaRPr sz="1800">
+              <a:solidFill>
+                <a:schemeClr val="lt1"/>
+              </a:solidFill>
+            </a:endParaRPr>
+          </a:p>
+          <a:p>
+            <a:pPr indent="-342900" lvl="0" marL="457200" rtl="0" algn="l">
+              <a:spcBef>
+                <a:spcPts val="0"/>
+              </a:spcBef>
+              <a:spcAft>
+                <a:spcPts val="0"/>
+              </a:spcAft>
+              <a:buClr>
+                <a:schemeClr val="lt1"/>
+              </a:buClr>
+              <a:buSzPts val="1800"/>
+              <a:buChar char="●"/>
+            </a:pPr>
+            <a:r>
+              <a:rPr lang="en" sz="1800">
                 <a:solidFill>
                   <a:schemeClr val="lt1"/>
                 </a:solidFill>
               </a:rPr>
               <a:t>Limitations</a:t>
             </a:r>
-            <a:endParaRPr sz="1500">
+            <a:endParaRPr sz="1800">
               <a:solidFill>
                 <a:schemeClr val="lt1"/>
               </a:solidFill>
             </a:endParaRPr>
           </a:p>
           <a:p>
-            <a:pPr indent="-311150" lvl="1" marL="914400" rtl="0" algn="l">
+            <a:pPr indent="-330200" lvl="1" marL="914400" rtl="0" algn="l">
               <a:spcBef>
                 <a:spcPts val="0"/>
               </a:spcBef>
@@ -11239,25 +12686,25 @@
               <a:buClr>
                 <a:schemeClr val="lt1"/>
               </a:buClr>
-              <a:buSzPts val="1300"/>
+              <a:buSzPts val="1600"/>
               <a:buChar char="○"/>
             </a:pPr>
             <a:r>
-              <a:rPr lang="en" sz="1300">
+              <a:rPr lang="en" sz="1600">
                 <a:solidFill>
                   <a:schemeClr val="lt1"/>
                 </a:solidFill>
               </a:rPr>
               <a:t>Assumption about the colour of the visualizations and the report’s background</a:t>
             </a:r>
-            <a:endParaRPr sz="1300">
+            <a:endParaRPr sz="1600">
               <a:solidFill>
                 <a:schemeClr val="lt1"/>
               </a:solidFill>
             </a:endParaRPr>
           </a:p>
           <a:p>
-            <a:pPr indent="-298450" lvl="1" marL="914400" rtl="0" algn="l">
+            <a:pPr indent="-330200" lvl="1" marL="914400" rtl="0" algn="l">
               <a:spcBef>
                 <a:spcPts val="0"/>
               </a:spcBef>
@@ -11267,120 +12714,25 @@
               <a:buClr>
                 <a:schemeClr val="lt1"/>
               </a:buClr>
-              <a:buSzPts val="1100"/>
+              <a:buSzPts val="1600"/>
               <a:buChar char="○"/>
             </a:pPr>
             <a:r>
-              <a:rPr lang="en" sz="1300">
+              <a:rPr lang="en" sz="1600">
                 <a:solidFill>
                   <a:schemeClr val="lt1"/>
                 </a:solidFill>
               </a:rPr>
-              <a:t>Time comple</a:t>
+              <a:t>Time complexity of the rearrangement algorithm</a:t>
             </a:r>
-            <a:r>
-              <a:rPr lang="en" sz="1250">
-                <a:solidFill>
-                  <a:schemeClr val="lt1"/>
-                </a:solidFill>
-                <a:highlight>
-                  <a:srgbClr val="FFFFFF"/>
-                </a:highlight>
-                <a:latin typeface="Arial"/>
-                <a:ea typeface="Arial"/>
-                <a:cs typeface="Arial"/>
-                <a:sym typeface="Arial"/>
-              </a:rPr>
-              <a:t>xity of the rearrangement algorithm</a:t>
-            </a:r>
-            <a:endParaRPr sz="1250">
-              <a:solidFill>
-                <a:schemeClr val="lt1"/>
-              </a:solidFill>
-              <a:highlight>
-                <a:srgbClr val="FFFFFF"/>
-              </a:highlight>
-              <a:latin typeface="Arial"/>
-              <a:ea typeface="Arial"/>
-              <a:cs typeface="Arial"/>
-              <a:sym typeface="Arial"/>
-            </a:endParaRPr>
-          </a:p>
-          <a:p>
-            <a:pPr indent="-298450" lvl="1" marL="914400" rtl="0" algn="l">
-              <a:spcBef>
-                <a:spcPts val="0"/>
-              </a:spcBef>
-              <a:spcAft>
-                <a:spcPts val="0"/>
-              </a:spcAft>
-              <a:buClr>
-                <a:schemeClr val="lt1"/>
-              </a:buClr>
-              <a:buSzPts val="1100"/>
-              <a:buChar char="○"/>
-            </a:pPr>
-            <a:r>
-              <a:rPr lang="en" sz="1300">
-                <a:solidFill>
-                  <a:schemeClr val="lt1"/>
-                </a:solidFill>
-              </a:rPr>
-              <a:t>Time comple</a:t>
-            </a:r>
-            <a:r>
-              <a:rPr lang="en" sz="1250">
-                <a:solidFill>
-                  <a:schemeClr val="lt1"/>
-                </a:solidFill>
-                <a:highlight>
-                  <a:srgbClr val="FFFFFF"/>
-                </a:highlight>
-                <a:latin typeface="Arial"/>
-                <a:ea typeface="Arial"/>
-                <a:cs typeface="Arial"/>
-                <a:sym typeface="Arial"/>
-              </a:rPr>
-              <a:t>xity of the rearrangement algorithm</a:t>
-            </a:r>
-            <a:endParaRPr sz="1250">
-              <a:solidFill>
-                <a:schemeClr val="lt1"/>
-              </a:solidFill>
-              <a:highlight>
-                <a:srgbClr val="FFFFFF"/>
-              </a:highlight>
-              <a:latin typeface="Arial"/>
-              <a:ea typeface="Arial"/>
-              <a:cs typeface="Arial"/>
-              <a:sym typeface="Arial"/>
-            </a:endParaRPr>
-          </a:p>
-          <a:p>
-            <a:pPr indent="-311150" lvl="1" marL="914400" rtl="0" algn="l">
-              <a:spcBef>
-                <a:spcPts val="0"/>
-              </a:spcBef>
-              <a:spcAft>
-                <a:spcPts val="0"/>
-              </a:spcAft>
-              <a:buClr>
-                <a:schemeClr val="lt1"/>
-              </a:buClr>
-              <a:buSzPts val="1300"/>
-              <a:buChar char="○"/>
-            </a:pPr>
-            <a:r>
-              <a:t/>
-            </a:r>
-            <a:endParaRPr sz="1300">
+            <a:endParaRPr sz="1600">
               <a:solidFill>
                 <a:schemeClr val="lt1"/>
               </a:solidFill>
             </a:endParaRPr>
           </a:p>
           <a:p>
-            <a:pPr indent="-323850" lvl="0" marL="457200" rtl="0" algn="l">
+            <a:pPr indent="-330200" lvl="1" marL="914400" rtl="0" algn="l">
               <a:spcBef>
                 <a:spcPts val="0"/>
               </a:spcBef>
@@ -11390,25 +12742,53 @@
               <a:buClr>
                 <a:schemeClr val="lt1"/>
               </a:buClr>
-              <a:buSzPts val="1500"/>
+              <a:buSzPts val="1600"/>
+              <a:buChar char="○"/>
+            </a:pPr>
+            <a:r>
+              <a:rPr lang="en" sz="1600">
+                <a:solidFill>
+                  <a:schemeClr val="lt1"/>
+                </a:solidFill>
+              </a:rPr>
+              <a:t>Get the algorithm closer to the real arrangement</a:t>
+            </a:r>
+            <a:endParaRPr sz="1600">
+              <a:solidFill>
+                <a:schemeClr val="lt1"/>
+              </a:solidFill>
+            </a:endParaRPr>
+          </a:p>
+          <a:p>
+            <a:pPr indent="-342900" lvl="0" marL="457200" rtl="0" algn="l">
+              <a:spcBef>
+                <a:spcPts val="0"/>
+              </a:spcBef>
+              <a:spcAft>
+                <a:spcPts val="0"/>
+              </a:spcAft>
+              <a:buClr>
+                <a:schemeClr val="lt1"/>
+              </a:buClr>
+              <a:buSzPts val="1800"/>
               <a:buChar char="●"/>
             </a:pPr>
             <a:r>
-              <a:rPr lang="en" sz="1500">
+              <a:rPr lang="en" sz="1800">
                 <a:solidFill>
                   <a:schemeClr val="lt1"/>
                 </a:solidFill>
               </a:rPr>
               <a:t>Further improvements</a:t>
             </a:r>
-            <a:endParaRPr sz="1500">
+            <a:endParaRPr sz="1800">
               <a:solidFill>
                 <a:schemeClr val="lt1"/>
               </a:solidFill>
             </a:endParaRPr>
           </a:p>
           <a:p>
-            <a:pPr indent="-311150" lvl="1" marL="914400" rtl="0" algn="l">
+            <a:pPr indent="-330200" lvl="1" marL="914400" rtl="0" algn="l">
               <a:spcBef>
                 <a:spcPts val="0"/>
               </a:spcBef>
@@ -11418,25 +12798,25 @@
               <a:buClr>
                 <a:schemeClr val="lt1"/>
               </a:buClr>
-              <a:buSzPts val="1300"/>
+              <a:buSzPts val="1600"/>
               <a:buChar char="○"/>
             </a:pPr>
             <a:r>
-              <a:rPr lang="en" sz="1300">
+              <a:rPr lang="en" sz="1600">
                 <a:solidFill>
                   <a:schemeClr val="lt1"/>
                 </a:solidFill>
               </a:rPr>
               <a:t>Deep Learning for image segmentation</a:t>
             </a:r>
-            <a:endParaRPr sz="1300">
+            <a:endParaRPr sz="1600">
               <a:solidFill>
                 <a:schemeClr val="lt1"/>
               </a:solidFill>
             </a:endParaRPr>
           </a:p>
           <a:p>
-            <a:pPr indent="-298450" lvl="1" marL="914400" rtl="0" algn="l">
+            <a:pPr indent="-330200" lvl="1" marL="914400" rtl="0" algn="l">
               <a:spcBef>
                 <a:spcPts val="0"/>
               </a:spcBef>
@@ -11446,33 +12826,65 @@
               <a:buClr>
                 <a:schemeClr val="lt1"/>
               </a:buClr>
-              <a:buSzPts val="1100"/>
+              <a:buSzPts val="1600"/>
               <a:buChar char="○"/>
             </a:pPr>
             <a:r>
-              <a:rPr lang="en" sz="1300">
+              <a:rPr lang="en" sz="1600">
                 <a:solidFill>
                   <a:schemeClr val="lt1"/>
                 </a:solidFill>
               </a:rPr>
-              <a:t>E</a:t>
+              <a:t>Extract the data directly from Power BI Desktop</a:t>
             </a:r>
+            <a:endParaRPr sz="1600">
+              <a:solidFill>
+                <a:schemeClr val="lt1"/>
+              </a:solidFill>
+            </a:endParaRPr>
+          </a:p>
+          <a:p>
+            <a:pPr indent="-330200" lvl="1" marL="914400" rtl="0" algn="l">
+              <a:spcBef>
+                <a:spcPts val="0"/>
+              </a:spcBef>
+              <a:spcAft>
+                <a:spcPts val="0"/>
+              </a:spcAft>
+              <a:buClr>
+                <a:schemeClr val="lt1"/>
+              </a:buClr>
+              <a:buSzPts val="1600"/>
+              <a:buChar char="○"/>
+            </a:pPr>
             <a:r>
-              <a:rPr lang="en" sz="1250">
+              <a:rPr lang="en" sz="1600">
                 <a:solidFill>
                   <a:schemeClr val="lt1"/>
                 </a:solidFill>
-                <a:highlight>
-                  <a:srgbClr val="FFFFFF"/>
-                </a:highlight>
-                <a:latin typeface="Arial"/>
-                <a:ea typeface="Arial"/>
-                <a:cs typeface="Arial"/>
-                <a:sym typeface="Arial"/>
               </a:rPr>
-              <a:t>xtract the data directly from Power BI Desktop</a:t>
+              <a:t>Add Docker</a:t>
             </a:r>
-            <a:endParaRPr sz="1300">
+            <a:endParaRPr sz="1600">
+              <a:solidFill>
+                <a:schemeClr val="lt1"/>
+              </a:solidFill>
+            </a:endParaRPr>
+          </a:p>
+          <a:p>
+            <a:pPr indent="0" lvl="0" marL="914400" rtl="0" algn="l">
+              <a:spcBef>
+                <a:spcPts val="1200"/>
+              </a:spcBef>
+              <a:spcAft>
+                <a:spcPts val="0"/>
+              </a:spcAft>
+              <a:buNone/>
+            </a:pPr>
+            <a:r>
+              <a:t/>
+            </a:r>
+            <a:endParaRPr sz="1400">
               <a:solidFill>
                 <a:schemeClr val="lt1"/>
               </a:solidFill>
@@ -11519,7 +12931,7 @@
   <p:cSld>
     <p:spTree>
       <p:nvGrpSpPr>
-        <p:cNvPr id="136" name="Shape 136"/>
+        <p:cNvPr id="137" name="Shape 137"/>
         <p:cNvGrpSpPr/>
         <p:nvPr/>
       </p:nvGrpSpPr>
@@ -11533,7 +12945,7 @@
       </p:grpSpPr>
       <p:sp>
         <p:nvSpPr>
-          <p:cNvPr id="137" name="Google Shape;137;p14"/>
+          <p:cNvPr id="138" name="Google Shape;138;p14"/>
           <p:cNvSpPr txBox="1"/>
           <p:nvPr>
             <p:ph type="title"/>
@@ -11573,7 +12985,7 @@
       </p:sp>
       <p:sp>
         <p:nvSpPr>
-          <p:cNvPr id="138" name="Google Shape;138;p14"/>
+          <p:cNvPr id="139" name="Google Shape;139;p14"/>
           <p:cNvSpPr txBox="1"/>
           <p:nvPr>
             <p:ph idx="1" type="body"/>
@@ -11728,7 +13140,7 @@
       </p:sp>
       <p:pic>
         <p:nvPicPr>
-          <p:cNvPr id="139" name="Google Shape;139;p14"/>
+          <p:cNvPr id="140" name="Google Shape;140;p14"/>
           <p:cNvPicPr preferRelativeResize="0"/>
           <p:nvPr/>
         </p:nvPicPr>
@@ -11767,7 +13179,7 @@
   <p:cSld>
     <p:spTree>
       <p:nvGrpSpPr>
-        <p:cNvPr id="143" name="Shape 143"/>
+        <p:cNvPr id="144" name="Shape 144"/>
         <p:cNvGrpSpPr/>
         <p:nvPr/>
       </p:nvGrpSpPr>
@@ -11781,7 +13193,7 @@
       </p:grpSpPr>
       <p:sp>
         <p:nvSpPr>
-          <p:cNvPr id="144" name="Google Shape;144;p15"/>
+          <p:cNvPr id="145" name="Google Shape;145;p15"/>
           <p:cNvSpPr txBox="1"/>
           <p:nvPr>
             <p:ph type="title"/>
@@ -11821,7 +13233,7 @@
       </p:sp>
       <p:sp>
         <p:nvSpPr>
-          <p:cNvPr id="145" name="Google Shape;145;p15"/>
+          <p:cNvPr id="146" name="Google Shape;146;p15"/>
           <p:cNvSpPr txBox="1"/>
           <p:nvPr>
             <p:ph idx="1" type="body"/>
@@ -11842,7 +13254,7 @@
           </a:bodyPr>
           <a:lstStyle/>
           <a:p>
-            <a:pPr indent="-323850" lvl="0" marL="457200" rtl="0" algn="l">
+            <a:pPr indent="-342900" lvl="0" marL="457200" rtl="0" algn="l">
               <a:spcBef>
                 <a:spcPts val="0"/>
               </a:spcBef>
@@ -11852,25 +13264,25 @@
               <a:buClr>
                 <a:schemeClr val="lt1"/>
               </a:buClr>
-              <a:buSzPts val="1500"/>
+              <a:buSzPts val="1800"/>
               <a:buChar char="●"/>
             </a:pPr>
             <a:r>
-              <a:rPr lang="en" sz="1500">
+              <a:rPr lang="en" sz="1800">
                 <a:solidFill>
                   <a:schemeClr val="lt1"/>
                 </a:solidFill>
               </a:rPr>
               <a:t>A software for creating interactive and dynamic visualizations of data</a:t>
             </a:r>
-            <a:endParaRPr sz="1500">
+            <a:endParaRPr sz="1800">
               <a:solidFill>
                 <a:schemeClr val="lt1"/>
               </a:solidFill>
             </a:endParaRPr>
           </a:p>
           <a:p>
-            <a:pPr indent="-323850" lvl="0" marL="457200" rtl="0" algn="l">
+            <a:pPr indent="-342900" lvl="0" marL="457200" rtl="0" algn="l">
               <a:spcBef>
                 <a:spcPts val="0"/>
               </a:spcBef>
@@ -11880,25 +13292,25 @@
               <a:buClr>
                 <a:schemeClr val="lt1"/>
               </a:buClr>
-              <a:buSzPts val="1500"/>
+              <a:buSzPts val="1800"/>
               <a:buChar char="●"/>
             </a:pPr>
             <a:r>
-              <a:rPr lang="en" sz="1500">
+              <a:rPr lang="en" sz="1800">
                 <a:solidFill>
                   <a:schemeClr val="lt1"/>
                 </a:solidFill>
               </a:rPr>
               <a:t>Features such as: filtering, calculating measurements, slicing data</a:t>
             </a:r>
-            <a:endParaRPr sz="1500">
+            <a:endParaRPr sz="1800">
               <a:solidFill>
                 <a:schemeClr val="lt1"/>
               </a:solidFill>
             </a:endParaRPr>
           </a:p>
           <a:p>
-            <a:pPr indent="-323850" lvl="0" marL="457200" rtl="0" algn="l">
+            <a:pPr indent="-342900" lvl="0" marL="457200" rtl="0" algn="l">
               <a:spcBef>
                 <a:spcPts val="0"/>
               </a:spcBef>
@@ -11908,25 +13320,25 @@
               <a:buClr>
                 <a:schemeClr val="lt1"/>
               </a:buClr>
-              <a:buSzPts val="1500"/>
+              <a:buSzPts val="1800"/>
               <a:buChar char="●"/>
             </a:pPr>
             <a:r>
-              <a:rPr lang="en" sz="1500">
+              <a:rPr lang="en" sz="1800">
                 <a:solidFill>
                   <a:schemeClr val="lt1"/>
                 </a:solidFill>
               </a:rPr>
               <a:t>The dataset is queried of the database</a:t>
             </a:r>
-            <a:endParaRPr sz="1500">
+            <a:endParaRPr sz="1800">
               <a:solidFill>
                 <a:schemeClr val="lt1"/>
               </a:solidFill>
             </a:endParaRPr>
           </a:p>
           <a:p>
-            <a:pPr indent="-323850" lvl="0" marL="457200" rtl="0" algn="l">
+            <a:pPr indent="-342900" lvl="0" marL="457200" rtl="0" algn="l">
               <a:spcBef>
                 <a:spcPts val="0"/>
               </a:spcBef>
@@ -11936,18 +13348,18 @@
               <a:buClr>
                 <a:schemeClr val="lt1"/>
               </a:buClr>
-              <a:buSzPts val="1500"/>
+              <a:buSzPts val="1800"/>
               <a:buChar char="●"/>
             </a:pPr>
             <a:r>
-              <a:rPr lang="en" sz="1500">
+              <a:rPr lang="en" sz="1800">
                 <a:solidFill>
                   <a:schemeClr val="lt1"/>
                 </a:solidFill>
               </a:rPr>
               <a:t>Each visualization is created of the calculations from the data</a:t>
             </a:r>
-            <a:endParaRPr sz="1500">
+            <a:endParaRPr sz="1800">
               <a:solidFill>
                 <a:schemeClr val="lt1"/>
               </a:solidFill>
@@ -11968,7 +13380,7 @@
   <p:cSld>
     <p:spTree>
       <p:nvGrpSpPr>
-        <p:cNvPr id="149" name="Shape 149"/>
+        <p:cNvPr id="150" name="Shape 150"/>
         <p:cNvGrpSpPr/>
         <p:nvPr/>
       </p:nvGrpSpPr>
@@ -11982,7 +13394,7 @@
       </p:grpSpPr>
       <p:sp>
         <p:nvSpPr>
-          <p:cNvPr id="150" name="Google Shape;150;p16"/>
+          <p:cNvPr id="151" name="Google Shape;151;p16"/>
           <p:cNvSpPr txBox="1"/>
           <p:nvPr>
             <p:ph type="title"/>
@@ -12021,7 +13433,7 @@
       </p:sp>
       <p:sp>
         <p:nvSpPr>
-          <p:cNvPr id="151" name="Google Shape;151;p16"/>
+          <p:cNvPr id="152" name="Google Shape;152;p16"/>
           <p:cNvSpPr txBox="1"/>
           <p:nvPr>
             <p:ph idx="1" type="body"/>
@@ -12060,7 +13472,7 @@
       </p:sp>
       <p:pic>
         <p:nvPicPr>
-          <p:cNvPr id="152" name="Google Shape;152;p16"/>
+          <p:cNvPr id="153" name="Google Shape;153;p16"/>
           <p:cNvPicPr preferRelativeResize="0"/>
           <p:nvPr/>
         </p:nvPicPr>
@@ -12099,7 +13511,7 @@
   <p:cSld>
     <p:spTree>
       <p:nvGrpSpPr>
-        <p:cNvPr id="156" name="Shape 156"/>
+        <p:cNvPr id="157" name="Shape 157"/>
         <p:cNvGrpSpPr/>
         <p:nvPr/>
       </p:nvGrpSpPr>
@@ -12113,7 +13525,7 @@
       </p:grpSpPr>
       <p:sp>
         <p:nvSpPr>
-          <p:cNvPr id="157" name="Google Shape;157;p17"/>
+          <p:cNvPr id="158" name="Google Shape;158;p17"/>
           <p:cNvSpPr txBox="1"/>
           <p:nvPr>
             <p:ph type="title"/>
@@ -12153,7 +13565,7 @@
       </p:sp>
       <p:sp>
         <p:nvSpPr>
-          <p:cNvPr id="158" name="Google Shape;158;p17"/>
+          <p:cNvPr id="159" name="Google Shape;159;p17"/>
           <p:cNvSpPr txBox="1"/>
           <p:nvPr>
             <p:ph idx="1" type="body"/>
@@ -12279,7 +13691,7 @@
                 <a:cs typeface="Arial"/>
                 <a:sym typeface="Arial"/>
               </a:rPr>
-              <a:t>Downloaded CS file</a:t>
+              <a:t>Downloaded CSV file</a:t>
             </a:r>
             <a:endParaRPr sz="1550">
               <a:solidFill>
@@ -12324,7 +13736,7 @@
       </p:sp>
       <p:pic>
         <p:nvPicPr>
-          <p:cNvPr id="159" name="Google Shape;159;p17"/>
+          <p:cNvPr id="160" name="Google Shape;160;p17"/>
           <p:cNvPicPr preferRelativeResize="0"/>
           <p:nvPr/>
         </p:nvPicPr>
@@ -12363,7 +13775,7 @@
   <p:cSld>
     <p:spTree>
       <p:nvGrpSpPr>
-        <p:cNvPr id="163" name="Shape 163"/>
+        <p:cNvPr id="164" name="Shape 164"/>
         <p:cNvGrpSpPr/>
         <p:nvPr/>
       </p:nvGrpSpPr>
@@ -12377,7 +13789,7 @@
       </p:grpSpPr>
       <p:sp>
         <p:nvSpPr>
-          <p:cNvPr id="164" name="Google Shape;164;p18"/>
+          <p:cNvPr id="165" name="Google Shape;165;p18"/>
           <p:cNvSpPr txBox="1"/>
           <p:nvPr>
             <p:ph type="title"/>
@@ -12409,7 +13821,7 @@
             </a:pPr>
             <a:r>
               <a:rPr lang="en"/>
-              <a:t>Problem description</a:t>
+              <a:t>Challenges</a:t>
             </a:r>
             <a:endParaRPr/>
           </a:p>
@@ -12417,7 +13829,7 @@
       </p:sp>
       <p:sp>
         <p:nvSpPr>
-          <p:cNvPr id="165" name="Google Shape;165;p18"/>
+          <p:cNvPr id="166" name="Google Shape;166;p18"/>
           <p:cNvSpPr txBox="1"/>
           <p:nvPr>
             <p:ph idx="1" type="body"/>
@@ -12434,7 +13846,7 @@
         </p:spPr>
         <p:txBody>
           <a:bodyPr anchorCtr="0" anchor="t" bIns="91425" lIns="91425" spcFirstLastPara="1" rIns="91425" wrap="square" tIns="91425">
-            <a:normAutofit/>
+            <a:noAutofit/>
           </a:bodyPr>
           <a:lstStyle/>
           <a:p>
@@ -12452,7 +13864,7 @@
               <a:buChar char="●"/>
             </a:pPr>
             <a:r>
-              <a:rPr lang="en" sz="1600">
+              <a:rPr lang="en" sz="1800">
                 <a:solidFill>
                   <a:schemeClr val="lt1"/>
                 </a:solidFill>
@@ -12460,15 +13872,19 @@
               <a:t>How to </a:t>
             </a:r>
             <a:r>
-              <a:rPr lang="en" sz="1600">
+              <a:rPr lang="en" sz="1800">
                 <a:solidFill>
                   <a:schemeClr val="lt1"/>
                 </a:solidFill>
+                <a:latin typeface="Arial"/>
+                <a:ea typeface="Arial"/>
+                <a:cs typeface="Arial"/>
+                <a:sym typeface="Arial"/>
               </a:rPr>
               <a:t>e</a:t>
             </a:r>
             <a:r>
-              <a:rPr lang="en" sz="1600">
+              <a:rPr lang="en" sz="1800">
                 <a:solidFill>
                   <a:schemeClr val="lt1"/>
                 </a:solidFill>
@@ -12483,7 +13899,7 @@
               <a:t>xtract the data</a:t>
             </a:r>
             <a:r>
-              <a:rPr lang="en" sz="1350">
+              <a:rPr lang="en" sz="1550">
                 <a:solidFill>
                   <a:schemeClr val="lt1"/>
                 </a:solidFill>
@@ -12496,178 +13912,6 @@
                 <a:sym typeface="Arial"/>
               </a:rPr>
               <a:t>?</a:t>
-            </a:r>
-            <a:endParaRPr sz="1350">
-              <a:solidFill>
-                <a:schemeClr val="lt1"/>
-              </a:solidFill>
-              <a:highlight>
-                <a:srgbClr val="FFFFFF"/>
-              </a:highlight>
-              <a:latin typeface="Arial"/>
-              <a:ea typeface="Arial"/>
-              <a:cs typeface="Arial"/>
-              <a:sym typeface="Arial"/>
-            </a:endParaRPr>
-          </a:p>
-          <a:p>
-            <a:pPr indent="-314325" lvl="1" marL="914400" rtl="0" algn="l">
-              <a:spcBef>
-                <a:spcPts val="0"/>
-              </a:spcBef>
-              <a:spcAft>
-                <a:spcPts val="0"/>
-              </a:spcAft>
-              <a:buClr>
-                <a:schemeClr val="lt1"/>
-              </a:buClr>
-              <a:buSzPts val="1350"/>
-              <a:buFont typeface="Arial"/>
-              <a:buChar char="○"/>
-            </a:pPr>
-            <a:r>
-              <a:rPr lang="en" sz="1350">
-                <a:solidFill>
-                  <a:schemeClr val="lt1"/>
-                </a:solidFill>
-                <a:highlight>
-                  <a:srgbClr val="FFFFFF"/>
-                </a:highlight>
-                <a:latin typeface="Arial"/>
-                <a:ea typeface="Arial"/>
-                <a:cs typeface="Arial"/>
-                <a:sym typeface="Arial"/>
-              </a:rPr>
-              <a:t>Power BI API</a:t>
-            </a:r>
-            <a:endParaRPr sz="1350">
-              <a:solidFill>
-                <a:schemeClr val="lt1"/>
-              </a:solidFill>
-              <a:highlight>
-                <a:srgbClr val="FFFFFF"/>
-              </a:highlight>
-              <a:latin typeface="Arial"/>
-              <a:ea typeface="Arial"/>
-              <a:cs typeface="Arial"/>
-              <a:sym typeface="Arial"/>
-            </a:endParaRPr>
-          </a:p>
-          <a:p>
-            <a:pPr indent="-314325" lvl="1" marL="914400" rtl="0" algn="l">
-              <a:spcBef>
-                <a:spcPts val="0"/>
-              </a:spcBef>
-              <a:spcAft>
-                <a:spcPts val="0"/>
-              </a:spcAft>
-              <a:buClr>
-                <a:schemeClr val="lt1"/>
-              </a:buClr>
-              <a:buSzPts val="1350"/>
-              <a:buFont typeface="Arial"/>
-              <a:buChar char="○"/>
-            </a:pPr>
-            <a:r>
-              <a:rPr lang="en" sz="1350">
-                <a:solidFill>
-                  <a:schemeClr val="lt1"/>
-                </a:solidFill>
-                <a:highlight>
-                  <a:srgbClr val="FFFFFF"/>
-                </a:highlight>
-                <a:latin typeface="Arial"/>
-                <a:ea typeface="Arial"/>
-                <a:cs typeface="Arial"/>
-                <a:sym typeface="Arial"/>
-              </a:rPr>
-              <a:t>Power BI Desktop</a:t>
-            </a:r>
-            <a:endParaRPr sz="1350">
-              <a:solidFill>
-                <a:schemeClr val="lt1"/>
-              </a:solidFill>
-              <a:highlight>
-                <a:srgbClr val="FFFFFF"/>
-              </a:highlight>
-              <a:latin typeface="Arial"/>
-              <a:ea typeface="Arial"/>
-              <a:cs typeface="Arial"/>
-              <a:sym typeface="Arial"/>
-            </a:endParaRPr>
-          </a:p>
-          <a:p>
-            <a:pPr indent="-314325" lvl="1" marL="914400" rtl="0" algn="l">
-              <a:spcBef>
-                <a:spcPts val="0"/>
-              </a:spcBef>
-              <a:spcAft>
-                <a:spcPts val="0"/>
-              </a:spcAft>
-              <a:buClr>
-                <a:schemeClr val="lt1"/>
-              </a:buClr>
-              <a:buSzPts val="1350"/>
-              <a:buFont typeface="Arial"/>
-              <a:buChar char="○"/>
-            </a:pPr>
-            <a:r>
-              <a:rPr lang="en" sz="1350">
-                <a:solidFill>
-                  <a:schemeClr val="lt1"/>
-                </a:solidFill>
-                <a:highlight>
-                  <a:srgbClr val="FFFFFF"/>
-                </a:highlight>
-                <a:latin typeface="Arial"/>
-                <a:ea typeface="Arial"/>
-                <a:cs typeface="Arial"/>
-                <a:sym typeface="Arial"/>
-              </a:rPr>
-              <a:t>Python crawler</a:t>
-            </a:r>
-            <a:endParaRPr sz="1350">
-              <a:solidFill>
-                <a:schemeClr val="lt1"/>
-              </a:solidFill>
-              <a:highlight>
-                <a:srgbClr val="FFFFFF"/>
-              </a:highlight>
-              <a:latin typeface="Arial"/>
-              <a:ea typeface="Arial"/>
-              <a:cs typeface="Arial"/>
-              <a:sym typeface="Arial"/>
-            </a:endParaRPr>
-          </a:p>
-          <a:p>
-            <a:pPr indent="-327025" lvl="0" marL="457200" rtl="0" algn="l">
-              <a:spcBef>
-                <a:spcPts val="0"/>
-              </a:spcBef>
-              <a:spcAft>
-                <a:spcPts val="0"/>
-              </a:spcAft>
-              <a:buClr>
-                <a:schemeClr val="lt1"/>
-              </a:buClr>
-              <a:buSzPts val="1550"/>
-              <a:buFont typeface="Arial"/>
-              <a:buChar char="●"/>
-            </a:pPr>
-            <a:r>
-              <a:rPr lang="en" sz="1550">
-                <a:solidFill>
-                  <a:schemeClr val="lt1"/>
-                </a:solidFill>
-                <a:highlight>
-                  <a:srgbClr val="FFFFFF"/>
-                </a:highlight>
-                <a:latin typeface="Arial"/>
-                <a:ea typeface="Arial"/>
-                <a:cs typeface="Arial"/>
-                <a:sym typeface="Arial"/>
-              </a:rPr>
-              <a:t>How to compare the data?</a:t>
             </a:r>
             <a:endParaRPr sz="1550">
               <a:solidFill>
@@ -12683,7 +13927,7 @@
             </a:endParaRPr>
           </a:p>
           <a:p>
-            <a:pPr indent="-314325" lvl="1" marL="914400" rtl="0" algn="l">
+            <a:pPr indent="-327025" lvl="1" marL="914400" rtl="0" algn="l">
               <a:spcBef>
                 <a:spcPts val="0"/>
               </a:spcBef>
@@ -12693,12 +13937,184 @@
               <a:buClr>
                 <a:schemeClr val="lt1"/>
               </a:buClr>
-              <a:buSzPts val="1350"/>
+              <a:buSzPts val="1550"/>
               <a:buFont typeface="Arial"/>
               <a:buChar char="○"/>
             </a:pPr>
             <a:r>
-              <a:rPr lang="en" sz="1350">
+              <a:rPr lang="en" sz="1550">
+                <a:solidFill>
+                  <a:schemeClr val="lt1"/>
+                </a:solidFill>
+                <a:highlight>
+                  <a:srgbClr val="FFFFFF"/>
+                </a:highlight>
+                <a:latin typeface="Arial"/>
+                <a:ea typeface="Arial"/>
+                <a:cs typeface="Arial"/>
+                <a:sym typeface="Arial"/>
+              </a:rPr>
+              <a:t>Power BI API</a:t>
+            </a:r>
+            <a:endParaRPr sz="1550">
+              <a:solidFill>
+                <a:schemeClr val="lt1"/>
+              </a:solidFill>
+              <a:highlight>
+                <a:srgbClr val="FFFFFF"/>
+              </a:highlight>
+              <a:latin typeface="Arial"/>
+              <a:ea typeface="Arial"/>
+              <a:cs typeface="Arial"/>
+              <a:sym typeface="Arial"/>
+            </a:endParaRPr>
+          </a:p>
+          <a:p>
+            <a:pPr indent="-327025" lvl="1" marL="914400" rtl="0" algn="l">
+              <a:spcBef>
+                <a:spcPts val="0"/>
+              </a:spcBef>
+              <a:spcAft>
+                <a:spcPts val="0"/>
+              </a:spcAft>
+              <a:buClr>
+                <a:schemeClr val="lt1"/>
+              </a:buClr>
+              <a:buSzPts val="1550"/>
+              <a:buFont typeface="Arial"/>
+              <a:buChar char="○"/>
+            </a:pPr>
+            <a:r>
+              <a:rPr lang="en" sz="1550">
+                <a:solidFill>
+                  <a:schemeClr val="lt1"/>
+                </a:solidFill>
+                <a:highlight>
+                  <a:srgbClr val="FFFFFF"/>
+                </a:highlight>
+                <a:latin typeface="Arial"/>
+                <a:ea typeface="Arial"/>
+                <a:cs typeface="Arial"/>
+                <a:sym typeface="Arial"/>
+              </a:rPr>
+              <a:t>Power BI Desktop</a:t>
+            </a:r>
+            <a:endParaRPr sz="1550">
+              <a:solidFill>
+                <a:schemeClr val="lt1"/>
+              </a:solidFill>
+              <a:highlight>
+                <a:srgbClr val="FFFFFF"/>
+              </a:highlight>
+              <a:latin typeface="Arial"/>
+              <a:ea typeface="Arial"/>
+              <a:cs typeface="Arial"/>
+              <a:sym typeface="Arial"/>
+            </a:endParaRPr>
+          </a:p>
+          <a:p>
+            <a:pPr indent="-327025" lvl="1" marL="914400" rtl="0" algn="l">
+              <a:spcBef>
+                <a:spcPts val="0"/>
+              </a:spcBef>
+              <a:spcAft>
+                <a:spcPts val="0"/>
+              </a:spcAft>
+              <a:buClr>
+                <a:schemeClr val="lt1"/>
+              </a:buClr>
+              <a:buSzPts val="1550"/>
+              <a:buFont typeface="Arial"/>
+              <a:buChar char="○"/>
+            </a:pPr>
+            <a:r>
+              <a:rPr lang="en" sz="1550">
+                <a:solidFill>
+                  <a:schemeClr val="lt1"/>
+                </a:solidFill>
+                <a:highlight>
+                  <a:srgbClr val="FFFFFF"/>
+                </a:highlight>
+                <a:latin typeface="Arial"/>
+                <a:ea typeface="Arial"/>
+                <a:cs typeface="Arial"/>
+                <a:sym typeface="Arial"/>
+              </a:rPr>
+              <a:t>Python crawler</a:t>
+            </a:r>
+            <a:endParaRPr sz="1550">
+              <a:solidFill>
+                <a:schemeClr val="lt1"/>
+              </a:solidFill>
+              <a:highlight>
+                <a:srgbClr val="FFFFFF"/>
+              </a:highlight>
+              <a:latin typeface="Arial"/>
+              <a:ea typeface="Arial"/>
+              <a:cs typeface="Arial"/>
+              <a:sym typeface="Arial"/>
+            </a:endParaRPr>
+          </a:p>
+          <a:p>
+            <a:pPr indent="-339725" lvl="0" marL="457200" rtl="0" algn="l">
+              <a:spcBef>
+                <a:spcPts val="0"/>
+              </a:spcBef>
+              <a:spcAft>
+                <a:spcPts val="0"/>
+              </a:spcAft>
+              <a:buClr>
+                <a:schemeClr val="lt1"/>
+              </a:buClr>
+              <a:buSzPts val="1750"/>
+              <a:buFont typeface="Arial"/>
+              <a:buChar char="●"/>
+            </a:pPr>
+            <a:r>
+              <a:rPr lang="en" sz="1750">
+                <a:solidFill>
+                  <a:schemeClr val="lt1"/>
+                </a:solidFill>
+                <a:highlight>
+                  <a:srgbClr val="FFFFFF"/>
+                </a:highlight>
+                <a:latin typeface="Arial"/>
+                <a:ea typeface="Arial"/>
+                <a:cs typeface="Arial"/>
+                <a:sym typeface="Arial"/>
+              </a:rPr>
+              <a:t>How to compare the data?</a:t>
+            </a:r>
+            <a:endParaRPr sz="1750">
+              <a:solidFill>
+                <a:schemeClr val="lt1"/>
+              </a:solidFill>
+              <a:highlight>
+                <a:srgbClr val="FFFFFF"/>
+              </a:highlight>
+              <a:latin typeface="Arial"/>
+              <a:ea typeface="Arial"/>
+              <a:cs typeface="Arial"/>
+              <a:sym typeface="Arial"/>
+            </a:endParaRPr>
+          </a:p>
+          <a:p>
+            <a:pPr indent="-327025" lvl="1" marL="914400" rtl="0" algn="l">
+              <a:spcBef>
+                <a:spcPts val="0"/>
+              </a:spcBef>
+              <a:spcAft>
+                <a:spcPts val="0"/>
+              </a:spcAft>
+              <a:buClr>
+                <a:schemeClr val="lt1"/>
+              </a:buClr>
+              <a:buSzPts val="1550"/>
+              <a:buFont typeface="Arial"/>
+              <a:buChar char="○"/>
+            </a:pPr>
+            <a:r>
+              <a:rPr lang="en" sz="1550">
                 <a:solidFill>
                   <a:schemeClr val="lt1"/>
                 </a:solidFill>
@@ -12712,7 +14128,7 @@
               </a:rPr>
               <a:t>Unknown key value!</a:t>
             </a:r>
-            <a:endParaRPr sz="1350">
+            <a:endParaRPr sz="1550">
               <a:solidFill>
                 <a:schemeClr val="lt1"/>
               </a:solidFill>
@@ -12726,7 +14142,7 @@
             </a:endParaRPr>
           </a:p>
           <a:p>
-            <a:pPr indent="-314325" lvl="1" marL="914400" rtl="0" algn="l">
+            <a:pPr indent="-327025" lvl="1" marL="914400" rtl="0" algn="l">
               <a:spcBef>
                 <a:spcPts val="0"/>
               </a:spcBef>
@@ -12736,12 +14152,12 @@
               <a:buClr>
                 <a:schemeClr val="lt1"/>
               </a:buClr>
-              <a:buSzPts val="1350"/>
+              <a:buSzPts val="1550"/>
               <a:buFont typeface="Arial"/>
               <a:buChar char="○"/>
             </a:pPr>
             <a:r>
-              <a:rPr lang="en" sz="1350">
+              <a:rPr lang="en" sz="1550">
                 <a:solidFill>
                   <a:schemeClr val="lt1"/>
                 </a:solidFill>
@@ -12755,7 +14171,7 @@
               </a:rPr>
               <a:t>Permuted rows or columns are not interpreted as difference</a:t>
             </a:r>
-            <a:endParaRPr sz="1350">
+            <a:endParaRPr sz="1550">
               <a:solidFill>
                 <a:schemeClr val="lt1"/>
               </a:solidFill>
@@ -12781,7 +14197,7 @@
             <a:r>
               <a:t/>
             </a:r>
-            <a:endParaRPr sz="1350">
+            <a:endParaRPr sz="1550">
               <a:solidFill>
                 <a:schemeClr val="lt1"/>
               </a:solidFill>
@@ -12809,7 +14225,7 @@
   <p:cSld>
     <p:spTree>
       <p:nvGrpSpPr>
-        <p:cNvPr id="169" name="Shape 169"/>
+        <p:cNvPr id="170" name="Shape 170"/>
         <p:cNvGrpSpPr/>
         <p:nvPr/>
       </p:nvGrpSpPr>
@@ -12823,7 +14239,7 @@
       </p:grpSpPr>
       <p:sp>
         <p:nvSpPr>
-          <p:cNvPr id="170" name="Google Shape;170;p19"/>
+          <p:cNvPr id="171" name="Google Shape;171;p19"/>
           <p:cNvSpPr txBox="1"/>
           <p:nvPr>
             <p:ph type="title"/>
@@ -12863,7 +14279,7 @@
       </p:sp>
       <p:sp>
         <p:nvSpPr>
-          <p:cNvPr id="171" name="Google Shape;171;p19"/>
+          <p:cNvPr id="172" name="Google Shape;172;p19"/>
           <p:cNvSpPr txBox="1"/>
           <p:nvPr>
             <p:ph idx="1" type="body"/>
@@ -12884,7 +14300,7 @@
           </a:bodyPr>
           <a:lstStyle/>
           <a:p>
-            <a:pPr indent="-311150" lvl="0" marL="457200" rtl="0" algn="l">
+            <a:pPr indent="-339725" lvl="0" marL="457200" rtl="0" algn="l">
               <a:spcBef>
                 <a:spcPts val="0"/>
               </a:spcBef>
@@ -12894,25 +14310,26 @@
               <a:buClr>
                 <a:schemeClr val="lt1"/>
               </a:buClr>
-              <a:buSzPts val="1300"/>
+              <a:buSzPts val="1750"/>
+              <a:buFont typeface="Arial"/>
               <a:buChar char="●"/>
             </a:pPr>
             <a:r>
-              <a:rPr lang="en" sz="1600">
+              <a:rPr lang="en" sz="1800">
                 <a:solidFill>
                   <a:schemeClr val="lt1"/>
                 </a:solidFill>
               </a:rPr>
-              <a:t>Two reports</a:t>
+              <a:t>Command Line Application implemented in Python</a:t>
             </a:r>
-            <a:endParaRPr sz="1600">
+            <a:endParaRPr sz="1800">
               <a:solidFill>
                 <a:schemeClr val="lt1"/>
               </a:solidFill>
             </a:endParaRPr>
           </a:p>
           <a:p>
-            <a:pPr indent="-330200" lvl="1" marL="914400" rtl="0" algn="l">
+            <a:pPr indent="-339725" lvl="0" marL="457200" rtl="0" algn="l">
               <a:spcBef>
                 <a:spcPts val="0"/>
               </a:spcBef>
@@ -12922,25 +14339,34 @@
               <a:buClr>
                 <a:schemeClr val="lt1"/>
               </a:buClr>
-              <a:buSzPts val="1600"/>
-              <a:buChar char="○"/>
+              <a:buSzPts val="1750"/>
+              <a:buFont typeface="Arial"/>
+              <a:buChar char="●"/>
             </a:pPr>
             <a:r>
-              <a:rPr lang="en" sz="1600">
+              <a:rPr b="1" lang="en" sz="1800">
                 <a:solidFill>
                   <a:schemeClr val="lt1"/>
                 </a:solidFill>
               </a:rPr>
-              <a:t>Username, Password, WorkspaceId, ReportId, DataFolder</a:t>
+              <a:t>Input: </a:t>
             </a:r>
-            <a:endParaRPr sz="1600">
+            <a:r>
+              <a:rPr lang="en" sz="1800">
+                <a:solidFill>
+                  <a:schemeClr val="lt1"/>
+                </a:solidFill>
+              </a:rPr>
+              <a:t>Two Power BI reports</a:t>
+            </a:r>
+            <a:endParaRPr sz="1800">
               <a:solidFill>
                 <a:schemeClr val="lt1"/>
               </a:solidFill>
             </a:endParaRPr>
           </a:p>
           <a:p>
-            <a:pPr indent="-311150" lvl="0" marL="457200" rtl="0" algn="l">
+            <a:pPr indent="-342900" lvl="0" marL="457200" rtl="0" algn="l">
               <a:spcBef>
                 <a:spcPts val="0"/>
               </a:spcBef>
@@ -12950,47 +14376,53 @@
               <a:buClr>
                 <a:schemeClr val="lt1"/>
               </a:buClr>
-              <a:buSzPts val="1300"/>
+              <a:buSzPts val="1800"/>
               <a:buChar char="●"/>
             </a:pPr>
             <a:r>
-              <a:rPr lang="en" sz="1600">
+              <a:rPr lang="en" sz="1800">
                 <a:solidFill>
                   <a:schemeClr val="lt1"/>
                 </a:solidFill>
               </a:rPr>
-              <a:t>Data e</a:t>
+              <a:t>Data Extraction</a:t>
             </a:r>
+            <a:endParaRPr sz="1800">
+              <a:solidFill>
+                <a:schemeClr val="lt1"/>
+              </a:solidFill>
+            </a:endParaRPr>
+          </a:p>
+          <a:p>
+            <a:pPr indent="-342900" lvl="0" marL="457200" rtl="0" algn="l">
+              <a:spcBef>
+                <a:spcPts val="0"/>
+              </a:spcBef>
+              <a:spcAft>
+                <a:spcPts val="0"/>
+              </a:spcAft>
+              <a:buClr>
+                <a:schemeClr val="lt1"/>
+              </a:buClr>
+              <a:buSzPts val="1800"/>
+              <a:buChar char="●"/>
+            </a:pPr>
             <a:r>
-              <a:rPr lang="en" sz="1350">
+              <a:rPr lang="en" sz="1800">
                 <a:solidFill>
                   <a:schemeClr val="lt1"/>
                 </a:solidFill>
-                <a:highlight>
-                  <a:srgbClr val="FFFFFF"/>
-                </a:highlight>
-                <a:latin typeface="Arial"/>
-                <a:ea typeface="Arial"/>
-                <a:cs typeface="Arial"/>
-                <a:sym typeface="Arial"/>
               </a:rPr>
-              <a:t>xtraction</a:t>
+              <a:t>Data Comparison</a:t>
             </a:r>
-            <a:endParaRPr sz="1350">
+            <a:endParaRPr sz="1800">
               <a:solidFill>
                 <a:schemeClr val="lt1"/>
               </a:solidFill>
-              <a:highlight>
-                <a:srgbClr val="FFFFFF"/>
-              </a:highlight>
-              <a:latin typeface="Arial"/>
-              <a:ea typeface="Arial"/>
-              <a:cs typeface="Arial"/>
-              <a:sym typeface="Arial"/>
             </a:endParaRPr>
           </a:p>
           <a:p>
-            <a:pPr indent="-314325" lvl="0" marL="457200" rtl="0" algn="l">
+            <a:pPr indent="-342900" lvl="0" marL="457200" rtl="0" algn="l">
               <a:spcBef>
                 <a:spcPts val="0"/>
               </a:spcBef>
@@ -13000,40 +14432,33 @@
               <a:buClr>
                 <a:schemeClr val="lt1"/>
               </a:buClr>
-              <a:buSzPts val="1350"/>
-              <a:buFont typeface="Arial"/>
+              <a:buSzPts val="1800"/>
               <a:buChar char="●"/>
             </a:pPr>
             <a:r>
-              <a:rPr lang="en" sz="1350">
+              <a:rPr b="1" lang="en" sz="1800">
                 <a:solidFill>
                   <a:schemeClr val="lt1"/>
                 </a:solidFill>
-                <a:highlight>
-                  <a:srgbClr val="FFFFFF"/>
-                </a:highlight>
-                <a:latin typeface="Arial"/>
-                <a:ea typeface="Arial"/>
-                <a:cs typeface="Arial"/>
-                <a:sym typeface="Arial"/>
               </a:rPr>
-              <a:t>Data comparison</a:t>
+              <a:t>Output: </a:t>
             </a:r>
-            <a:endParaRPr sz="1350">
+            <a:r>
+              <a:rPr lang="en" sz="1800">
+                <a:solidFill>
+                  <a:schemeClr val="lt1"/>
+                </a:solidFill>
+              </a:rPr>
+              <a:t>comparison report in Excel</a:t>
+            </a:r>
+            <a:endParaRPr sz="1800">
               <a:solidFill>
                 <a:schemeClr val="lt1"/>
               </a:solidFill>
-              <a:highlight>
-                <a:srgbClr val="FFFFFF"/>
-              </a:highlight>
-              <a:latin typeface="Arial"/>
-              <a:ea typeface="Arial"/>
-              <a:cs typeface="Arial"/>
-              <a:sym typeface="Arial"/>
             </a:endParaRPr>
           </a:p>
           <a:p>
-            <a:pPr indent="-314325" lvl="0" marL="457200" rtl="0" algn="l">
+            <a:pPr indent="-342900" lvl="1" marL="1371600" rtl="0" algn="l">
               <a:spcBef>
                 <a:spcPts val="0"/>
               </a:spcBef>
@@ -13043,55 +14468,53 @@
               <a:buClr>
                 <a:schemeClr val="lt1"/>
               </a:buClr>
-              <a:buSzPts val="1350"/>
-              <a:buFont typeface="Arial"/>
-              <a:buChar char="●"/>
+              <a:buSzPts val="1800"/>
+              <a:buChar char="○"/>
             </a:pPr>
             <a:r>
-              <a:rPr lang="en" sz="1350">
+              <a:rPr lang="en" sz="1800">
                 <a:solidFill>
                   <a:schemeClr val="lt1"/>
                 </a:solidFill>
-                <a:highlight>
-                  <a:srgbClr val="FFFFFF"/>
-                </a:highlight>
-                <a:latin typeface="Arial"/>
-                <a:ea typeface="Arial"/>
-                <a:cs typeface="Arial"/>
-                <a:sym typeface="Arial"/>
               </a:rPr>
-              <a:t>Generating comparison report in E</a:t>
+              <a:t>Username, Password, WorkspaceID, ReportID, DataFolder</a:t>
             </a:r>
-            <a:r>
-              <a:rPr lang="en" sz="1250">
-                <a:solidFill>
-                  <a:schemeClr val="lt1"/>
-                </a:solidFill>
-                <a:highlight>
-                  <a:srgbClr val="FFFFFF"/>
-                </a:highlight>
-                <a:latin typeface="Arial"/>
-                <a:ea typeface="Arial"/>
-                <a:cs typeface="Arial"/>
-                <a:sym typeface="Arial"/>
-              </a:rPr>
-              <a:t>xcel</a:t>
-            </a:r>
-            <a:endParaRPr sz="1550">
+            <a:endParaRPr sz="1800">
               <a:solidFill>
                 <a:schemeClr val="lt1"/>
               </a:solidFill>
-              <a:highlight>
-                <a:srgbClr val="FFFFFF"/>
-              </a:highlight>
-              <a:latin typeface="Arial"/>
-              <a:ea typeface="Arial"/>
-              <a:cs typeface="Arial"/>
-              <a:sym typeface="Arial"/>
             </a:endParaRPr>
           </a:p>
         </p:txBody>
       </p:sp>
+      <p:pic>
+        <p:nvPicPr>
+          <p:cNvPr id="173" name="Google Shape;173;p19"/>
+          <p:cNvPicPr preferRelativeResize="0"/>
+          <p:nvPr/>
+        </p:nvPicPr>
+        <p:blipFill>
+          <a:blip r:embed="rId3">
+            <a:alphaModFix/>
+          </a:blip>
+          <a:stretch>
+            <a:fillRect/>
+          </a:stretch>
+        </p:blipFill>
+        <p:spPr>
+          <a:xfrm>
+            <a:off x="7191363" y="1700388"/>
+            <a:ext cx="1133475" cy="1133475"/>
+          </a:xfrm>
+          <a:prstGeom prst="rect">
+            <a:avLst/>
+          </a:prstGeom>
+          <a:noFill/>
+          <a:ln>
+            <a:noFill/>
+          </a:ln>
+        </p:spPr>
+      </p:pic>
     </p:spTree>
   </p:cSld>
   <p:clrMapOvr>
@@ -13105,7 +14528,7 @@
   <p:cSld>
     <p:spTree>
       <p:nvGrpSpPr>
-        <p:cNvPr id="175" name="Shape 175"/>
+        <p:cNvPr id="177" name="Shape 177"/>
         <p:cNvGrpSpPr/>
         <p:nvPr/>
       </p:nvGrpSpPr>
@@ -13119,7 +14542,7 @@
       </p:grpSpPr>
       <p:sp>
         <p:nvSpPr>
-          <p:cNvPr id="176" name="Google Shape;176;p20"/>
+          <p:cNvPr id="178" name="Google Shape;178;p20"/>
           <p:cNvSpPr txBox="1"/>
           <p:nvPr>
             <p:ph type="title"/>
@@ -13159,7 +14582,7 @@
       </p:sp>
       <p:sp>
         <p:nvSpPr>
-          <p:cNvPr id="177" name="Google Shape;177;p20"/>
+          <p:cNvPr id="179" name="Google Shape;179;p20"/>
           <p:cNvSpPr txBox="1"/>
           <p:nvPr>
             <p:ph idx="1" type="body"/>
@@ -13180,7 +14603,7 @@
           </a:bodyPr>
           <a:lstStyle/>
           <a:p>
-            <a:pPr indent="-317500" lvl="0" marL="457200" rtl="0" algn="l">
+            <a:pPr indent="-342900" lvl="0" marL="457200" rtl="0" algn="l">
               <a:spcBef>
                 <a:spcPts val="0"/>
               </a:spcBef>
@@ -13190,25 +14613,25 @@
               <a:buClr>
                 <a:schemeClr val="lt1"/>
               </a:buClr>
-              <a:buSzPts val="1400"/>
+              <a:buSzPts val="1800"/>
               <a:buChar char="●"/>
             </a:pPr>
             <a:r>
-              <a:rPr lang="en" sz="1400">
+              <a:rPr lang="en" sz="1800">
                 <a:solidFill>
                   <a:schemeClr val="lt1"/>
                 </a:solidFill>
               </a:rPr>
-              <a:t>Image localization</a:t>
+              <a:t>Crawler implemented with Selenium</a:t>
             </a:r>
-            <a:endParaRPr sz="1400">
+            <a:endParaRPr sz="1800">
               <a:solidFill>
                 <a:schemeClr val="lt1"/>
               </a:solidFill>
             </a:endParaRPr>
           </a:p>
           <a:p>
-            <a:pPr indent="-317500" lvl="0" marL="457200" rtl="0" algn="l">
+            <a:pPr indent="-342900" lvl="0" marL="457200" rtl="0" algn="l">
               <a:spcBef>
                 <a:spcPts val="0"/>
               </a:spcBef>
@@ -13218,18 +14641,73 @@
               <a:buClr>
                 <a:schemeClr val="lt1"/>
               </a:buClr>
-              <a:buSzPts val="1400"/>
+              <a:buSzPts val="1800"/>
               <a:buChar char="●"/>
             </a:pPr>
             <a:r>
-              <a:rPr lang="en" sz="1400">
+              <a:rPr lang="en" sz="1800">
                 <a:solidFill>
                   <a:schemeClr val="lt1"/>
                 </a:solidFill>
               </a:rPr>
-              <a:t>Assumptions about  the colouring of the report</a:t>
+              <a:t>L</a:t>
             </a:r>
-            <a:endParaRPr sz="1400">
+            <a:r>
+              <a:rPr lang="en" sz="1800">
+                <a:solidFill>
+                  <a:schemeClr val="lt1"/>
+                </a:solidFill>
+              </a:rPr>
+              <a:t>ocalization of the visualizations</a:t>
+            </a:r>
+            <a:endParaRPr sz="1800">
+              <a:solidFill>
+                <a:schemeClr val="lt1"/>
+              </a:solidFill>
+            </a:endParaRPr>
+          </a:p>
+          <a:p>
+            <a:pPr indent="-342900" lvl="0" marL="457200" rtl="0" algn="l">
+              <a:spcBef>
+                <a:spcPts val="0"/>
+              </a:spcBef>
+              <a:spcAft>
+                <a:spcPts val="0"/>
+              </a:spcAft>
+              <a:buClr>
+                <a:schemeClr val="lt1"/>
+              </a:buClr>
+              <a:buSzPts val="1800"/>
+              <a:buChar char="●"/>
+            </a:pPr>
+            <a:r>
+              <a:rPr lang="en" sz="1800">
+                <a:solidFill>
+                  <a:schemeClr val="lt1"/>
+                </a:solidFill>
+              </a:rPr>
+              <a:t>Assumptions about  the colouring </a:t>
+            </a:r>
+            <a:endParaRPr sz="1800">
+              <a:solidFill>
+                <a:schemeClr val="lt1"/>
+              </a:solidFill>
+            </a:endParaRPr>
+          </a:p>
+          <a:p>
+            <a:pPr indent="0" lvl="0" marL="457200" rtl="0" algn="l">
+              <a:spcBef>
+                <a:spcPts val="1200"/>
+              </a:spcBef>
+              <a:spcAft>
+                <a:spcPts val="0"/>
+              </a:spcAft>
+              <a:buNone/>
+            </a:pPr>
+            <a:r>
+              <a:t/>
+            </a:r>
+            <a:endParaRPr sz="1800">
               <a:solidFill>
                 <a:schemeClr val="lt1"/>
               </a:solidFill>
@@ -13258,7 +14736,7 @@
       </p:sp>
       <p:pic>
         <p:nvPicPr>
-          <p:cNvPr id="178" name="Google Shape;178;p20"/>
+          <p:cNvPr id="180" name="Google Shape;180;p20"/>
           <p:cNvPicPr preferRelativeResize="0"/>
           <p:nvPr/>
         </p:nvPicPr>
@@ -13284,6 +14762,62 @@
           </a:ln>
         </p:spPr>
       </p:pic>
+      <p:pic>
+        <p:nvPicPr>
+          <p:cNvPr id="181" name="Google Shape;181;p20"/>
+          <p:cNvPicPr preferRelativeResize="0"/>
+          <p:nvPr/>
+        </p:nvPicPr>
+        <p:blipFill>
+          <a:blip r:embed="rId4">
+            <a:alphaModFix/>
+          </a:blip>
+          <a:stretch>
+            <a:fillRect/>
+          </a:stretch>
+        </p:blipFill>
+        <p:spPr>
+          <a:xfrm>
+            <a:off x="476200" y="3736438"/>
+            <a:ext cx="2818225" cy="1068450"/>
+          </a:xfrm>
+          <a:prstGeom prst="rect">
+            <a:avLst/>
+          </a:prstGeom>
+          <a:noFill/>
+          <a:ln>
+            <a:noFill/>
+          </a:ln>
+        </p:spPr>
+      </p:pic>
+      <p:pic>
+        <p:nvPicPr>
+          <p:cNvPr id="182" name="Google Shape;182;p20"/>
+          <p:cNvPicPr preferRelativeResize="0"/>
+          <p:nvPr/>
+        </p:nvPicPr>
+        <p:blipFill>
+          <a:blip r:embed="rId5">
+            <a:alphaModFix/>
+          </a:blip>
+          <a:stretch>
+            <a:fillRect/>
+          </a:stretch>
+        </p:blipFill>
+        <p:spPr>
+          <a:xfrm>
+            <a:off x="3533988" y="3530050"/>
+            <a:ext cx="1138025" cy="1129725"/>
+          </a:xfrm>
+          <a:prstGeom prst="rect">
+            <a:avLst/>
+          </a:prstGeom>
+          <a:noFill/>
+          <a:ln>
+            <a:noFill/>
+          </a:ln>
+        </p:spPr>
+      </p:pic>
     </p:spTree>
   </p:cSld>
   <p:clrMapOvr>
@@ -13297,7 +14831,7 @@
   <p:cSld>
     <p:spTree>
       <p:nvGrpSpPr>
-        <p:cNvPr id="182" name="Shape 182"/>
+        <p:cNvPr id="186" name="Shape 186"/>
         <p:cNvGrpSpPr/>
         <p:nvPr/>
       </p:nvGrpSpPr>
@@ -13311,7 +14845,7 @@
       </p:grpSpPr>
       <p:sp>
         <p:nvSpPr>
-          <p:cNvPr id="183" name="Google Shape;183;p21"/>
+          <p:cNvPr id="187" name="Google Shape;187;p21"/>
           <p:cNvSpPr txBox="1"/>
           <p:nvPr>
             <p:ph type="title"/>
@@ -13350,7 +14884,7 @@
       </p:sp>
       <p:sp>
         <p:nvSpPr>
-          <p:cNvPr id="184" name="Google Shape;184;p21"/>
+          <p:cNvPr id="188" name="Google Shape;188;p21"/>
           <p:cNvSpPr txBox="1"/>
           <p:nvPr>
             <p:ph idx="1" type="body"/>
@@ -13389,7 +14923,7 @@
       </p:sp>
       <p:pic>
         <p:nvPicPr>
-          <p:cNvPr id="185" name="Google Shape;185;p21"/>
+          <p:cNvPr id="189" name="Google Shape;189;p21"/>
           <p:cNvPicPr preferRelativeResize="0"/>
           <p:nvPr/>
         </p:nvPicPr>
